--- a/BaoCaoPPT.pptx
+++ b/BaoCaoPPT.pptx
@@ -5,7 +5,7 @@
     <p:sldMasterId id="2147483708" r:id="rId1"/>
   </p:sldMasterIdLst>
   <p:notesMasterIdLst>
-    <p:notesMasterId r:id="rId11"/>
+    <p:notesMasterId r:id="rId12"/>
   </p:notesMasterIdLst>
   <p:sldIdLst>
     <p:sldId id="256" r:id="rId2"/>
@@ -17,6 +17,7 @@
     <p:sldId id="263" r:id="rId8"/>
     <p:sldId id="264" r:id="rId9"/>
     <p:sldId id="265" r:id="rId10"/>
+    <p:sldId id="266" r:id="rId11"/>
   </p:sldIdLst>
   <p:sldSz cx="12192000" cy="6858000"/>
   <p:notesSz cx="6858000" cy="9144000"/>
@@ -133,6 +134,11 @@
             <p14:sldId id="263"/>
             <p14:sldId id="264"/>
             <p14:sldId id="265"/>
+          </p14:sldIdLst>
+        </p14:section>
+        <p14:section name="Vùng tranh chấp" id="{22253B76-8184-44BB-9D94-4779E285F37F}">
+          <p14:sldIdLst>
+            <p14:sldId id="266"/>
           </p14:sldIdLst>
         </p14:section>
       </p14:sectionLst>
@@ -5658,6 +5664,78 @@
       </p:par>
     </p:tnLst>
   </p:timing>
+</p:sld>
+</file>
+
+<file path=ppt/slides/slide10.xml><?xml version="1.0" encoding="utf-8"?>
+<p:sld xmlns:a="http://schemas.openxmlformats.org/drawingml/2006/main" xmlns:r="http://schemas.openxmlformats.org/officeDocument/2006/relationships" xmlns:p="http://schemas.openxmlformats.org/presentationml/2006/main">
+  <p:cSld>
+    <p:spTree>
+      <p:nvGrpSpPr>
+        <p:cNvPr id="1" name=""/>
+        <p:cNvGrpSpPr/>
+        <p:nvPr/>
+      </p:nvGrpSpPr>
+      <p:grpSpPr>
+        <a:xfrm>
+          <a:off x="0" y="0"/>
+          <a:ext cx="0" cy="0"/>
+          <a:chOff x="0" y="0"/>
+          <a:chExt cx="0" cy="0"/>
+        </a:xfrm>
+      </p:grpSpPr>
+      <p:sp>
+        <p:nvSpPr>
+          <p:cNvPr id="2" name="Title 1"/>
+          <p:cNvSpPr>
+            <a:spLocks noGrp="1"/>
+          </p:cNvSpPr>
+          <p:nvPr>
+            <p:ph type="title"/>
+          </p:nvPr>
+        </p:nvSpPr>
+        <p:spPr/>
+        <p:txBody>
+          <a:bodyPr/>
+          <a:lstStyle/>
+          <a:p>
+            <a:r>
+              <a:rPr lang="en-US" smtClean="0"/>
+              <a:t>Vùng tranh chấp</a:t>
+            </a:r>
+            <a:endParaRPr lang="en-US"/>
+          </a:p>
+        </p:txBody>
+      </p:sp>
+      <p:sp>
+        <p:nvSpPr>
+          <p:cNvPr id="3" name="Content Placeholder 2"/>
+          <p:cNvSpPr>
+            <a:spLocks noGrp="1"/>
+          </p:cNvSpPr>
+          <p:nvPr>
+            <p:ph idx="1"/>
+          </p:nvPr>
+        </p:nvSpPr>
+        <p:spPr/>
+        <p:txBody>
+          <a:bodyPr/>
+          <a:lstStyle/>
+          <a:p>
+            <a:endParaRPr lang="en-US"/>
+          </a:p>
+        </p:txBody>
+      </p:sp>
+    </p:spTree>
+    <p:extLst>
+      <p:ext uri="{BB962C8B-B14F-4D97-AF65-F5344CB8AC3E}">
+        <p14:creationId xmlns:p14="http://schemas.microsoft.com/office/powerpoint/2010/main" val="3207945136"/>
+      </p:ext>
+    </p:extLst>
+  </p:cSld>
+  <p:clrMapOvr>
+    <a:masterClrMapping/>
+  </p:clrMapOvr>
 </p:sld>
 </file>
 
@@ -6295,8 +6373,25 @@
                 <a:latin typeface="Times New Roman" panose="02020603050405020304" pitchFamily="18" charset="0"/>
                 <a:cs typeface="Times New Roman" panose="02020603050405020304" pitchFamily="18" charset="0"/>
               </a:rPr>
-              <a:t>So sánh với Monitor</a:t>
-            </a:r>
+              <a:t>So sánh với </a:t>
+            </a:r>
+            <a:r>
+              <a:rPr lang="en-US" sz="2800" smtClean="0">
+                <a:solidFill>
+                  <a:schemeClr val="tx1"/>
+                </a:solidFill>
+                <a:latin typeface="Times New Roman" panose="02020603050405020304" pitchFamily="18" charset="0"/>
+                <a:cs typeface="Times New Roman" panose="02020603050405020304" pitchFamily="18" charset="0"/>
+              </a:rPr>
+              <a:t>Mutex</a:t>
+            </a:r>
+            <a:endParaRPr lang="en-US" sz="2800">
+              <a:solidFill>
+                <a:schemeClr val="tx1"/>
+              </a:solidFill>
+              <a:latin typeface="Times New Roman" panose="02020603050405020304" pitchFamily="18" charset="0"/>
+              <a:cs typeface="Times New Roman" panose="02020603050405020304" pitchFamily="18" charset="0"/>
+            </a:endParaRPr>
           </a:p>
           <a:p>
             <a:pPr marL="344488" indent="-344488">
@@ -8032,13 +8127,13 @@
   <p:clrMapOvr>
     <a:masterClrMapping/>
   </p:clrMapOvr>
-  <mc:AlternateContent xmlns:mc="http://schemas.openxmlformats.org/markup-compatibility/2006">
-    <mc:Choice xmlns:p15="http://schemas.microsoft.com/office/powerpoint/2012/main" Requires="p15">
+  <mc:AlternateContent xmlns:mc="http://schemas.openxmlformats.org/markup-compatibility/2006" xmlns:p15="http://schemas.microsoft.com/office/powerpoint/2012/main">
+    <mc:Choice Requires="p15">
       <p:transition xmlns:p14="http://schemas.microsoft.com/office/powerpoint/2010/main" spd="slow" p14:dur="1250">
         <p15:prstTrans prst="peelOff"/>
       </p:transition>
     </mc:Choice>
-    <mc:Fallback>
+    <mc:Fallback xmlns="">
       <p:transition spd="slow">
         <p:fade/>
       </p:transition>
@@ -8305,13 +8400,13 @@
   <p:clrMapOvr>
     <a:masterClrMapping/>
   </p:clrMapOvr>
-  <mc:AlternateContent xmlns:mc="http://schemas.openxmlformats.org/markup-compatibility/2006">
-    <mc:Choice xmlns:p14="http://schemas.microsoft.com/office/powerpoint/2010/main" Requires="p14">
+  <mc:AlternateContent xmlns:mc="http://schemas.openxmlformats.org/markup-compatibility/2006" xmlns:p14="http://schemas.microsoft.com/office/powerpoint/2010/main">
+    <mc:Choice Requires="p14">
       <p:transition spd="slow" p14:dur="1400">
         <p14:ripple/>
       </p:transition>
     </mc:Choice>
-    <mc:Fallback>
+    <mc:Fallback xmlns="">
       <p:transition spd="slow">
         <p:fade/>
       </p:transition>
@@ -8609,13 +8704,13 @@
   <p:clrMapOvr>
     <a:masterClrMapping/>
   </p:clrMapOvr>
-  <mc:AlternateContent xmlns:mc="http://schemas.openxmlformats.org/markup-compatibility/2006">
-    <mc:Choice xmlns:p15="http://schemas.microsoft.com/office/powerpoint/2012/main" Requires="p15">
+  <mc:AlternateContent xmlns:mc="http://schemas.openxmlformats.org/markup-compatibility/2006" xmlns:p15="http://schemas.microsoft.com/office/powerpoint/2012/main">
+    <mc:Choice Requires="p15">
       <p:transition xmlns:p14="http://schemas.microsoft.com/office/powerpoint/2010/main" spd="slow" p14:dur="1250">
         <p15:prstTrans prst="peelOff"/>
       </p:transition>
     </mc:Choice>
-    <mc:Fallback>
+    <mc:Fallback xmlns="">
       <p:transition spd="slow">
         <p:fade/>
       </p:transition>
@@ -8729,13 +8824,13 @@
   <p:clrMapOvr>
     <a:masterClrMapping/>
   </p:clrMapOvr>
-  <mc:AlternateContent xmlns:mc="http://schemas.openxmlformats.org/markup-compatibility/2006">
-    <mc:Choice xmlns:p15="http://schemas.microsoft.com/office/powerpoint/2012/main" Requires="p15">
+  <mc:AlternateContent xmlns:mc="http://schemas.openxmlformats.org/markup-compatibility/2006" xmlns:p15="http://schemas.microsoft.com/office/powerpoint/2012/main">
+    <mc:Choice Requires="p15">
       <p:transition xmlns:p14="http://schemas.microsoft.com/office/powerpoint/2010/main" spd="slow" p14:dur="1250">
         <p15:prstTrans prst="peelOff"/>
       </p:transition>
     </mc:Choice>
-    <mc:Fallback>
+    <mc:Fallback xmlns="">
       <p:transition spd="slow">
         <p:fade/>
       </p:transition>

--- a/BaoCaoPPT.pptx
+++ b/BaoCaoPPT.pptx
@@ -5,7 +5,7 @@
     <p:sldMasterId id="2147483708" r:id="rId1"/>
   </p:sldMasterIdLst>
   <p:notesMasterIdLst>
-    <p:notesMasterId r:id="rId12"/>
+    <p:notesMasterId r:id="rId14"/>
   </p:notesMasterIdLst>
   <p:sldIdLst>
     <p:sldId id="256" r:id="rId2"/>
@@ -18,6 +18,8 @@
     <p:sldId id="264" r:id="rId9"/>
     <p:sldId id="265" r:id="rId10"/>
     <p:sldId id="266" r:id="rId11"/>
+    <p:sldId id="267" r:id="rId12"/>
+    <p:sldId id="268" r:id="rId13"/>
   </p:sldIdLst>
   <p:sldSz cx="12192000" cy="6858000"/>
   <p:notesSz cx="6858000" cy="9144000"/>
@@ -141,6 +143,16 @@
             <p14:sldId id="266"/>
           </p14:sldIdLst>
         </p14:section>
+        <p14:section name="So sánh với mutex" id="{09935A17-444E-4741-894E-D7FC79B65772}">
+          <p14:sldIdLst>
+            <p14:sldId id="267"/>
+          </p14:sldIdLst>
+        </p14:section>
+        <p14:section name="Bài toán Producer – Consumer" id="{59294575-E80B-45B5-8EDA-9F9613A4235C}">
+          <p14:sldIdLst>
+            <p14:sldId id="268"/>
+          </p14:sldIdLst>
+        </p14:section>
       </p14:sectionLst>
     </p:ext>
     <p:ext uri="{EFAFB233-063F-42B5-8137-9DF3F51BA10A}">
@@ -1893,6 +1905,140 @@
     <p:extLst>
       <p:ext uri="{BB962C8B-B14F-4D97-AF65-F5344CB8AC3E}">
         <p14:creationId xmlns:p14="http://schemas.microsoft.com/office/powerpoint/2010/main" val="568920777"/>
+      </p:ext>
+    </p:extLst>
+  </p:cSld>
+  <p:clrMapOvr>
+    <a:masterClrMapping/>
+  </p:clrMapOvr>
+</p:notes>
+</file>
+
+<file path=ppt/notesSlides/notesSlide7.xml><?xml version="1.0" encoding="utf-8"?>
+<p:notes xmlns:a="http://schemas.openxmlformats.org/drawingml/2006/main" xmlns:r="http://schemas.openxmlformats.org/officeDocument/2006/relationships" xmlns:p="http://schemas.openxmlformats.org/presentationml/2006/main">
+  <p:cSld>
+    <p:spTree>
+      <p:nvGrpSpPr>
+        <p:cNvPr id="1" name=""/>
+        <p:cNvGrpSpPr/>
+        <p:nvPr/>
+      </p:nvGrpSpPr>
+      <p:grpSpPr>
+        <a:xfrm>
+          <a:off x="0" y="0"/>
+          <a:ext cx="0" cy="0"/>
+          <a:chOff x="0" y="0"/>
+          <a:chExt cx="0" cy="0"/>
+        </a:xfrm>
+      </p:grpSpPr>
+      <p:sp>
+        <p:nvSpPr>
+          <p:cNvPr id="2" name="Slide Image Placeholder 1"/>
+          <p:cNvSpPr>
+            <a:spLocks noGrp="1" noRot="1" noChangeAspect="1"/>
+          </p:cNvSpPr>
+          <p:nvPr>
+            <p:ph type="sldImg"/>
+          </p:nvPr>
+        </p:nvSpPr>
+        <p:spPr/>
+      </p:sp>
+      <p:sp>
+        <p:nvSpPr>
+          <p:cNvPr id="3" name="Notes Placeholder 2"/>
+          <p:cNvSpPr>
+            <a:spLocks noGrp="1"/>
+          </p:cNvSpPr>
+          <p:nvPr>
+            <p:ph type="body" idx="1"/>
+          </p:nvPr>
+        </p:nvSpPr>
+        <p:spPr/>
+        <p:txBody>
+          <a:bodyPr/>
+          <a:lstStyle/>
+          <a:p>
+            <a:r>
+              <a:rPr lang="vi-VN" sz="1200" b="0" i="0" kern="1200" smtClean="0">
+                <a:solidFill>
+                  <a:schemeClr val="tx1"/>
+                </a:solidFill>
+                <a:effectLst/>
+                <a:latin typeface="+mn-lt"/>
+                <a:ea typeface="+mn-ea"/>
+                <a:cs typeface="+mn-cs"/>
+              </a:rPr>
+              <a:t>– Giả sử có Bộ nhớ đệm (Buffer) bao gồm nhiều khoang (Items) được tiến trình Producer lần lượt đưa các sản phẩm S1, S2,... vào.</a:t>
+            </a:r>
+            <a:r>
+              <a:rPr lang="vi-VN" smtClean="0"/>
+              <a:t/>
+            </a:r>
+            <a:br>
+              <a:rPr lang="vi-VN" smtClean="0"/>
+            </a:br>
+            <a:r>
+              <a:rPr lang="vi-VN" sz="1200" b="0" i="0" kern="1200" smtClean="0">
+                <a:solidFill>
+                  <a:schemeClr val="tx1"/>
+                </a:solidFill>
+                <a:effectLst/>
+                <a:latin typeface="+mn-lt"/>
+                <a:ea typeface="+mn-ea"/>
+                <a:cs typeface="+mn-cs"/>
+              </a:rPr>
+              <a:t>– Tiến trình Consumer lần lượt lấy sản phẩm ra theo đúng thứ tự.</a:t>
+            </a:r>
+            <a:r>
+              <a:rPr lang="vi-VN" smtClean="0"/>
+              <a:t/>
+            </a:r>
+            <a:br>
+              <a:rPr lang="vi-VN" smtClean="0"/>
+            </a:br>
+            <a:r>
+              <a:rPr lang="vi-VN" sz="1200" b="0" i="0" kern="1200" smtClean="0">
+                <a:solidFill>
+                  <a:schemeClr val="tx1"/>
+                </a:solidFill>
+                <a:effectLst/>
+                <a:latin typeface="+mn-lt"/>
+                <a:ea typeface="+mn-ea"/>
+                <a:cs typeface="+mn-cs"/>
+              </a:rPr>
+              <a:t>– Công việc của Producer phải đồng bộ với Consumer: Không được đưa sản phẩm vào khi Buffer đầy, Không được lấy ra khi chưa có.</a:t>
+            </a:r>
+            <a:endParaRPr lang="en-US"/>
+          </a:p>
+        </p:txBody>
+      </p:sp>
+      <p:sp>
+        <p:nvSpPr>
+          <p:cNvPr id="4" name="Slide Number Placeholder 3"/>
+          <p:cNvSpPr>
+            <a:spLocks noGrp="1"/>
+          </p:cNvSpPr>
+          <p:nvPr>
+            <p:ph type="sldNum" sz="quarter" idx="10"/>
+          </p:nvPr>
+        </p:nvSpPr>
+        <p:spPr/>
+        <p:txBody>
+          <a:bodyPr/>
+          <a:lstStyle/>
+          <a:p>
+            <a:fld id="{6A747A49-E891-4005-A14A-B7C78FA41CD0}" type="slidenum">
+              <a:rPr lang="en-US" smtClean="0"/>
+              <a:t>12</a:t>
+            </a:fld>
+            <a:endParaRPr lang="en-US"/>
+          </a:p>
+        </p:txBody>
+      </p:sp>
+    </p:spTree>
+    <p:extLst>
+      <p:ext uri="{BB962C8B-B14F-4D97-AF65-F5344CB8AC3E}">
+        <p14:creationId xmlns:p14="http://schemas.microsoft.com/office/powerpoint/2010/main" val="1668576743"/>
       </p:ext>
     </p:extLst>
   </p:cSld>
@@ -5736,6 +5882,286 @@
   <p:clrMapOvr>
     <a:masterClrMapping/>
   </p:clrMapOvr>
+</p:sld>
+</file>
+
+<file path=ppt/slides/slide11.xml><?xml version="1.0" encoding="utf-8"?>
+<p:sld xmlns:a="http://schemas.openxmlformats.org/drawingml/2006/main" xmlns:r="http://schemas.openxmlformats.org/officeDocument/2006/relationships" xmlns:p="http://schemas.openxmlformats.org/presentationml/2006/main">
+  <p:cSld>
+    <p:spTree>
+      <p:nvGrpSpPr>
+        <p:cNvPr id="1" name=""/>
+        <p:cNvGrpSpPr/>
+        <p:nvPr/>
+      </p:nvGrpSpPr>
+      <p:grpSpPr>
+        <a:xfrm>
+          <a:off x="0" y="0"/>
+          <a:ext cx="0" cy="0"/>
+          <a:chOff x="0" y="0"/>
+          <a:chExt cx="0" cy="0"/>
+        </a:xfrm>
+      </p:grpSpPr>
+      <p:sp>
+        <p:nvSpPr>
+          <p:cNvPr id="2" name="Title 1"/>
+          <p:cNvSpPr>
+            <a:spLocks noGrp="1"/>
+          </p:cNvSpPr>
+          <p:nvPr>
+            <p:ph type="title"/>
+          </p:nvPr>
+        </p:nvSpPr>
+        <p:spPr/>
+        <p:txBody>
+          <a:bodyPr/>
+          <a:lstStyle/>
+          <a:p>
+            <a:r>
+              <a:rPr lang="en-US" smtClean="0"/>
+              <a:t>So sánh với mutex</a:t>
+            </a:r>
+            <a:endParaRPr lang="en-US"/>
+          </a:p>
+        </p:txBody>
+      </p:sp>
+      <p:sp>
+        <p:nvSpPr>
+          <p:cNvPr id="3" name="Content Placeholder 2"/>
+          <p:cNvSpPr>
+            <a:spLocks noGrp="1"/>
+          </p:cNvSpPr>
+          <p:nvPr>
+            <p:ph idx="1"/>
+          </p:nvPr>
+        </p:nvSpPr>
+        <p:spPr/>
+        <p:txBody>
+          <a:bodyPr/>
+          <a:lstStyle/>
+          <a:p>
+            <a:endParaRPr lang="en-US"/>
+          </a:p>
+        </p:txBody>
+      </p:sp>
+    </p:spTree>
+    <p:extLst>
+      <p:ext uri="{BB962C8B-B14F-4D97-AF65-F5344CB8AC3E}">
+        <p14:creationId xmlns:p14="http://schemas.microsoft.com/office/powerpoint/2010/main" val="2955444664"/>
+      </p:ext>
+    </p:extLst>
+  </p:cSld>
+  <p:clrMapOvr>
+    <a:masterClrMapping/>
+  </p:clrMapOvr>
+  <p:timing>
+    <p:tnLst>
+      <p:par>
+        <p:cTn id="1" dur="indefinite" restart="never" nodeType="tmRoot"/>
+      </p:par>
+    </p:tnLst>
+  </p:timing>
+</p:sld>
+</file>
+
+<file path=ppt/slides/slide12.xml><?xml version="1.0" encoding="utf-8"?>
+<p:sld xmlns:a="http://schemas.openxmlformats.org/drawingml/2006/main" xmlns:r="http://schemas.openxmlformats.org/officeDocument/2006/relationships" xmlns:p="http://schemas.openxmlformats.org/presentationml/2006/main">
+  <p:cSld>
+    <p:spTree>
+      <p:nvGrpSpPr>
+        <p:cNvPr id="1" name=""/>
+        <p:cNvGrpSpPr/>
+        <p:nvPr/>
+      </p:nvGrpSpPr>
+      <p:grpSpPr>
+        <a:xfrm>
+          <a:off x="0" y="0"/>
+          <a:ext cx="0" cy="0"/>
+          <a:chOff x="0" y="0"/>
+          <a:chExt cx="0" cy="0"/>
+        </a:xfrm>
+      </p:grpSpPr>
+      <p:sp>
+        <p:nvSpPr>
+          <p:cNvPr id="2" name="Title 1"/>
+          <p:cNvSpPr>
+            <a:spLocks noGrp="1"/>
+          </p:cNvSpPr>
+          <p:nvPr>
+            <p:ph type="title"/>
+          </p:nvPr>
+        </p:nvSpPr>
+        <p:spPr/>
+        <p:txBody>
+          <a:bodyPr/>
+          <a:lstStyle/>
+          <a:p>
+            <a:r>
+              <a:rPr lang="en-US" smtClean="0"/>
+              <a:t>Bài toán Producer &amp; Consumer</a:t>
+            </a:r>
+            <a:endParaRPr lang="en-US"/>
+          </a:p>
+        </p:txBody>
+      </p:sp>
+      <p:sp>
+        <p:nvSpPr>
+          <p:cNvPr id="3" name="Content Placeholder 2"/>
+          <p:cNvSpPr>
+            <a:spLocks noGrp="1"/>
+          </p:cNvSpPr>
+          <p:nvPr>
+            <p:ph idx="1"/>
+          </p:nvPr>
+        </p:nvSpPr>
+        <p:spPr/>
+        <p:txBody>
+          <a:bodyPr>
+            <a:normAutofit/>
+          </a:bodyPr>
+          <a:lstStyle/>
+          <a:p>
+            <a:pPr marL="236538" indent="-236538" algn="just">
+              <a:lnSpc>
+                <a:spcPct val="150000"/>
+              </a:lnSpc>
+              <a:spcAft>
+                <a:spcPts val="600"/>
+              </a:spcAft>
+              <a:buFont typeface="Arial" panose="020B0604020202020204" pitchFamily="34" charset="0"/>
+              <a:buChar char="•"/>
+            </a:pPr>
+            <a:r>
+              <a:rPr lang="vi-VN" sz="2400">
+                <a:solidFill>
+                  <a:schemeClr val="tx1"/>
+                </a:solidFill>
+              </a:rPr>
+              <a:t>Giả sử có Bộ nhớ đệm (Buffer) bao gồm nhiều khoang (Items) được tiến trình</a:t>
+            </a:r>
+            <a:r>
+              <a:rPr lang="en-US" sz="2400">
+                <a:solidFill>
+                  <a:schemeClr val="tx1"/>
+                </a:solidFill>
+              </a:rPr>
+              <a:t> </a:t>
+            </a:r>
+            <a:r>
+              <a:rPr lang="vi-VN" sz="2400">
+                <a:solidFill>
+                  <a:schemeClr val="tx1"/>
+                </a:solidFill>
+              </a:rPr>
+              <a:t>Producer lần lượt đưa các sản phẩm S1, S2,... vào.</a:t>
+            </a:r>
+            <a:endParaRPr lang="en-US" sz="2400">
+              <a:solidFill>
+                <a:schemeClr val="tx1"/>
+              </a:solidFill>
+            </a:endParaRPr>
+          </a:p>
+          <a:p>
+            <a:pPr marL="236538" indent="-236538" algn="just">
+              <a:lnSpc>
+                <a:spcPct val="150000"/>
+              </a:lnSpc>
+              <a:spcAft>
+                <a:spcPts val="600"/>
+              </a:spcAft>
+              <a:buFont typeface="Arial" panose="020B0604020202020204" pitchFamily="34" charset="0"/>
+              <a:buChar char="•"/>
+            </a:pPr>
+            <a:r>
+              <a:rPr lang="vi-VN" sz="2400">
+                <a:solidFill>
+                  <a:schemeClr val="tx1"/>
+                </a:solidFill>
+              </a:rPr>
+              <a:t>Tiến trình Consumer lần lượt lấy sản phẩm ra theo đúng thứ tự.</a:t>
+            </a:r>
+            <a:endParaRPr lang="en-US" sz="2400">
+              <a:solidFill>
+                <a:schemeClr val="tx1"/>
+              </a:solidFill>
+            </a:endParaRPr>
+          </a:p>
+          <a:p>
+            <a:pPr marL="236538" indent="-236538" algn="just">
+              <a:lnSpc>
+                <a:spcPct val="150000"/>
+              </a:lnSpc>
+              <a:spcAft>
+                <a:spcPts val="600"/>
+              </a:spcAft>
+              <a:buFont typeface="Arial" panose="020B0604020202020204" pitchFamily="34" charset="0"/>
+              <a:buChar char="•"/>
+            </a:pPr>
+            <a:r>
+              <a:rPr lang="vi-VN" sz="2400">
+                <a:solidFill>
+                  <a:schemeClr val="tx1"/>
+                </a:solidFill>
+              </a:rPr>
+              <a:t>Công việc của Producer phải đồng bộ với Consumer: Không được đưa sản phẩm vào khi Buffer đầy</a:t>
+            </a:r>
+            <a:r>
+              <a:rPr lang="vi-VN" sz="2400">
+                <a:solidFill>
+                  <a:schemeClr val="tx1"/>
+                </a:solidFill>
+              </a:rPr>
+              <a:t>, </a:t>
+            </a:r>
+            <a:r>
+              <a:rPr lang="en-US" sz="2400">
+                <a:solidFill>
+                  <a:schemeClr val="tx1"/>
+                </a:solidFill>
+              </a:rPr>
+              <a:t>k</a:t>
+            </a:r>
+            <a:r>
+              <a:rPr lang="vi-VN" sz="2400" smtClean="0">
+                <a:solidFill>
+                  <a:schemeClr val="tx1"/>
+                </a:solidFill>
+              </a:rPr>
+              <a:t>hông </a:t>
+            </a:r>
+            <a:r>
+              <a:rPr lang="vi-VN" sz="2400">
+                <a:solidFill>
+                  <a:schemeClr val="tx1"/>
+                </a:solidFill>
+              </a:rPr>
+              <a:t>được lấy ra khi chưa có.</a:t>
+            </a:r>
+            <a:endParaRPr lang="en-US" sz="2400">
+              <a:solidFill>
+                <a:schemeClr val="tx1"/>
+              </a:solidFill>
+            </a:endParaRPr>
+          </a:p>
+        </p:txBody>
+      </p:sp>
+    </p:spTree>
+    <p:extLst>
+      <p:ext uri="{BB962C8B-B14F-4D97-AF65-F5344CB8AC3E}">
+        <p14:creationId xmlns:p14="http://schemas.microsoft.com/office/powerpoint/2010/main" val="4263663105"/>
+      </p:ext>
+    </p:extLst>
+  </p:cSld>
+  <p:clrMapOvr>
+    <a:masterClrMapping/>
+  </p:clrMapOvr>
+  <p:timing>
+    <p:tnLst>
+      <p:par>
+        <p:cTn id="1" dur="indefinite" restart="never" nodeType="tmRoot"/>
+      </p:par>
+    </p:tnLst>
+  </p:timing>
 </p:sld>
 </file>
 
@@ -6505,7 +6931,7 @@
           <a:lstStyle/>
           <a:p>
             <a:r>
-              <a:rPr lang="en-US" smtClean="0">
+              <a:rPr lang="en-US" sz="2400" smtClean="0">
                 <a:solidFill>
                   <a:schemeClr val="tx1"/>
                 </a:solidFill>
@@ -6517,7 +6943,7 @@
           </a:p>
           <a:p>
             <a:r>
-              <a:rPr lang="en-US" smtClean="0">
+              <a:rPr lang="en-US" sz="2400" smtClean="0">
                 <a:solidFill>
                   <a:schemeClr val="tx1"/>
                 </a:solidFill>
@@ -6526,7 +6952,7 @@
               </a:rPr>
               <a:t>Semaphore là một biến số nguyên được chia sẽ giữa các tiến trình</a:t>
             </a:r>
-            <a:endParaRPr lang="en-US">
+            <a:endParaRPr lang="en-US" sz="2400">
               <a:solidFill>
                 <a:schemeClr val="tx1"/>
               </a:solidFill>
@@ -6536,7 +6962,7 @@
           </a:p>
           <a:p>
             <a:r>
-              <a:rPr lang="en-US" smtClean="0">
+              <a:rPr lang="en-US" sz="2400" smtClean="0">
                 <a:solidFill>
                   <a:schemeClr val="tx1"/>
                 </a:solidFill>
@@ -6549,7 +6975,7 @@
           <a:p>
             <a:pPr lvl="1"/>
             <a:r>
-              <a:rPr lang="en-US" sz="2000">
+              <a:rPr lang="en-US" sz="2400">
                 <a:solidFill>
                   <a:schemeClr val="tx1"/>
                 </a:solidFill>
@@ -6562,7 +6988,7 @@
           <a:p>
             <a:pPr lvl="1"/>
             <a:r>
-              <a:rPr lang="en-US" sz="2000">
+              <a:rPr lang="en-US" sz="2400">
                 <a:solidFill>
                   <a:schemeClr val="tx1"/>
                 </a:solidFill>
@@ -6574,7 +7000,7 @@
           </a:p>
           <a:p>
             <a:pPr lvl="1"/>
-            <a:endParaRPr lang="en-US" smtClean="0">
+            <a:endParaRPr lang="en-US" sz="2000" smtClean="0">
               <a:solidFill>
                 <a:schemeClr val="tx1"/>
               </a:solidFill>
@@ -8207,7 +8633,7 @@
           <a:lstStyle/>
           <a:p>
             <a:r>
-              <a:rPr lang="en-US" smtClean="0">
+              <a:rPr lang="en-US" sz="2400" smtClean="0">
                 <a:solidFill>
                   <a:schemeClr val="tx1"/>
                 </a:solidFill>
@@ -8219,7 +8645,7 @@
           </a:p>
           <a:p>
             <a:r>
-              <a:rPr lang="en-US" smtClean="0">
+              <a:rPr lang="en-US" sz="2400" smtClean="0">
                 <a:solidFill>
                   <a:schemeClr val="tx1"/>
                 </a:solidFill>
@@ -8228,7 +8654,7 @@
               </a:rPr>
               <a:t>Semaphore là một biến số nguyên được chia sẽ giữa các tiến trình</a:t>
             </a:r>
-            <a:endParaRPr lang="en-US">
+            <a:endParaRPr lang="en-US" sz="2400">
               <a:solidFill>
                 <a:schemeClr val="tx1"/>
               </a:solidFill>
@@ -8238,7 +8664,7 @@
           </a:p>
           <a:p>
             <a:r>
-              <a:rPr lang="en-US" smtClean="0">
+              <a:rPr lang="en-US" sz="2400" smtClean="0">
                 <a:solidFill>
                   <a:schemeClr val="tx1"/>
                 </a:solidFill>
@@ -8251,7 +8677,7 @@
           <a:p>
             <a:pPr lvl="1"/>
             <a:r>
-              <a:rPr lang="en-US" sz="2000">
+              <a:rPr lang="en-US" sz="2400">
                 <a:solidFill>
                   <a:schemeClr val="tx1"/>
                 </a:solidFill>
@@ -8264,7 +8690,7 @@
           <a:p>
             <a:pPr lvl="1"/>
             <a:r>
-              <a:rPr lang="en-US" sz="2000">
+              <a:rPr lang="en-US" sz="2400">
                 <a:solidFill>
                   <a:schemeClr val="tx1"/>
                 </a:solidFill>
@@ -8274,7 +8700,7 @@
               <a:t>Counting </a:t>
             </a:r>
             <a:r>
-              <a:rPr lang="en-US" sz="2000" smtClean="0">
+              <a:rPr lang="en-US" sz="2400" smtClean="0">
                 <a:solidFill>
                   <a:schemeClr val="tx1"/>
                 </a:solidFill>
@@ -8289,7 +8715,7 @@
               <a:buNone/>
             </a:pPr>
             <a:r>
-              <a:rPr lang="en-US" sz="2000" smtClean="0">
+              <a:rPr lang="en-US" sz="2400" smtClean="0">
                 <a:solidFill>
                   <a:schemeClr val="tx1"/>
                 </a:solidFill>
@@ -8302,7 +8728,7 @@
           <a:p>
             <a:pPr lvl="1"/>
             <a:r>
-              <a:rPr lang="en-US" sz="2000">
+              <a:rPr lang="en-US" sz="2400">
                 <a:solidFill>
                   <a:schemeClr val="tx1"/>
                 </a:solidFill>
@@ -8315,7 +8741,7 @@
           <a:p>
             <a:pPr lvl="1"/>
             <a:r>
-              <a:rPr lang="en-US" sz="2000">
+              <a:rPr lang="en-US" sz="2400">
                 <a:solidFill>
                   <a:schemeClr val="tx1"/>
                 </a:solidFill>
@@ -8329,7 +8755,7 @@
             <a:pPr marL="201168" lvl="1" indent="0">
               <a:buNone/>
             </a:pPr>
-            <a:endParaRPr lang="en-US" sz="2000">
+            <a:endParaRPr lang="en-US" sz="2400">
               <a:solidFill>
                 <a:schemeClr val="tx1"/>
               </a:solidFill>
@@ -8339,7 +8765,7 @@
           </a:p>
           <a:p>
             <a:pPr lvl="1"/>
-            <a:endParaRPr lang="en-US" smtClean="0">
+            <a:endParaRPr lang="en-US" sz="2000" smtClean="0">
               <a:solidFill>
                 <a:schemeClr val="tx1"/>
               </a:solidFill>

--- a/BaoCaoPPT.pptx
+++ b/BaoCaoPPT.pptx
@@ -5,7 +5,7 @@
     <p:sldMasterId id="2147483708" r:id="rId1"/>
   </p:sldMasterIdLst>
   <p:notesMasterIdLst>
-    <p:notesMasterId r:id="rId14"/>
+    <p:notesMasterId r:id="rId20"/>
   </p:notesMasterIdLst>
   <p:sldIdLst>
     <p:sldId id="256" r:id="rId2"/>
@@ -18,8 +18,14 @@
     <p:sldId id="264" r:id="rId9"/>
     <p:sldId id="265" r:id="rId10"/>
     <p:sldId id="266" r:id="rId11"/>
-    <p:sldId id="267" r:id="rId12"/>
-    <p:sldId id="268" r:id="rId13"/>
+    <p:sldId id="269" r:id="rId12"/>
+    <p:sldId id="267" r:id="rId13"/>
+    <p:sldId id="268" r:id="rId14"/>
+    <p:sldId id="270" r:id="rId15"/>
+    <p:sldId id="271" r:id="rId16"/>
+    <p:sldId id="272" r:id="rId17"/>
+    <p:sldId id="273" r:id="rId18"/>
+    <p:sldId id="274" r:id="rId19"/>
   </p:sldIdLst>
   <p:sldSz cx="12192000" cy="6858000"/>
   <p:notesSz cx="6858000" cy="9144000"/>
@@ -141,6 +147,7 @@
         <p14:section name="Vùng tranh chấp" id="{22253B76-8184-44BB-9D94-4779E285F37F}">
           <p14:sldIdLst>
             <p14:sldId id="266"/>
+            <p14:sldId id="269"/>
           </p14:sldIdLst>
         </p14:section>
         <p14:section name="So sánh với mutex" id="{09935A17-444E-4741-894E-D7FC79B65772}">
@@ -151,6 +158,11 @@
         <p14:section name="Bài toán Producer – Consumer" id="{59294575-E80B-45B5-8EDA-9F9613A4235C}">
           <p14:sldIdLst>
             <p14:sldId id="268"/>
+            <p14:sldId id="270"/>
+            <p14:sldId id="271"/>
+            <p14:sldId id="272"/>
+            <p14:sldId id="273"/>
+            <p14:sldId id="274"/>
           </p14:sldIdLst>
         </p14:section>
       </p14:sectionLst>
@@ -244,7 +256,7 @@
           <a:p>
             <a:fld id="{36F14949-497B-4A87-A977-404B79C6E5A9}" type="datetimeFigureOut">
               <a:rPr lang="en-US" smtClean="0"/>
-              <a:t>19/5/2022</a:t>
+              <a:t>21/5/2022</a:t>
             </a:fld>
             <a:endParaRPr lang="en-US"/>
           </a:p>
@@ -792,6 +804,352 @@
 </p:notes>
 </file>
 
+<file path=ppt/notesSlides/notesSlide10.xml><?xml version="1.0" encoding="utf-8"?>
+<p:notes xmlns:a="http://schemas.openxmlformats.org/drawingml/2006/main" xmlns:r="http://schemas.openxmlformats.org/officeDocument/2006/relationships" xmlns:p="http://schemas.openxmlformats.org/presentationml/2006/main">
+  <p:cSld>
+    <p:spTree>
+      <p:nvGrpSpPr>
+        <p:cNvPr id="1" name=""/>
+        <p:cNvGrpSpPr/>
+        <p:nvPr/>
+      </p:nvGrpSpPr>
+      <p:grpSpPr>
+        <a:xfrm>
+          <a:off x="0" y="0"/>
+          <a:ext cx="0" cy="0"/>
+          <a:chOff x="0" y="0"/>
+          <a:chExt cx="0" cy="0"/>
+        </a:xfrm>
+      </p:grpSpPr>
+      <p:sp>
+        <p:nvSpPr>
+          <p:cNvPr id="2" name="Slide Image Placeholder 1"/>
+          <p:cNvSpPr>
+            <a:spLocks noGrp="1" noRot="1" noChangeAspect="1"/>
+          </p:cNvSpPr>
+          <p:nvPr>
+            <p:ph type="sldImg"/>
+          </p:nvPr>
+        </p:nvSpPr>
+        <p:spPr/>
+      </p:sp>
+      <p:sp>
+        <p:nvSpPr>
+          <p:cNvPr id="3" name="Notes Placeholder 2"/>
+          <p:cNvSpPr>
+            <a:spLocks noGrp="1"/>
+          </p:cNvSpPr>
+          <p:nvPr>
+            <p:ph type="body" idx="1"/>
+          </p:nvPr>
+        </p:nvSpPr>
+        <p:spPr/>
+        <p:txBody>
+          <a:bodyPr/>
+          <a:lstStyle/>
+          <a:p>
+            <a:r>
+              <a:rPr lang="en-US" smtClean="0"/>
+              <a:t>Theo mô</a:t>
+            </a:r>
+            <a:r>
+              <a:rPr lang="en-US" baseline="0" smtClean="0"/>
+              <a:t> tả nói trên ta được 2 luồng công việc như sau…</a:t>
+            </a:r>
+          </a:p>
+        </p:txBody>
+      </p:sp>
+      <p:sp>
+        <p:nvSpPr>
+          <p:cNvPr id="4" name="Slide Number Placeholder 3"/>
+          <p:cNvSpPr>
+            <a:spLocks noGrp="1"/>
+          </p:cNvSpPr>
+          <p:nvPr>
+            <p:ph type="sldNum" sz="quarter" idx="10"/>
+          </p:nvPr>
+        </p:nvSpPr>
+        <p:spPr/>
+        <p:txBody>
+          <a:bodyPr/>
+          <a:lstStyle/>
+          <a:p>
+            <a:fld id="{6A747A49-E891-4005-A14A-B7C78FA41CD0}" type="slidenum">
+              <a:rPr lang="en-US" smtClean="0"/>
+              <a:t>14</a:t>
+            </a:fld>
+            <a:endParaRPr lang="en-US"/>
+          </a:p>
+        </p:txBody>
+      </p:sp>
+    </p:spTree>
+    <p:extLst>
+      <p:ext uri="{BB962C8B-B14F-4D97-AF65-F5344CB8AC3E}">
+        <p14:creationId xmlns:p14="http://schemas.microsoft.com/office/powerpoint/2010/main" val="440999246"/>
+      </p:ext>
+    </p:extLst>
+  </p:cSld>
+  <p:clrMapOvr>
+    <a:masterClrMapping/>
+  </p:clrMapOvr>
+</p:notes>
+</file>
+
+<file path=ppt/notesSlides/notesSlide11.xml><?xml version="1.0" encoding="utf-8"?>
+<p:notes xmlns:a="http://schemas.openxmlformats.org/drawingml/2006/main" xmlns:r="http://schemas.openxmlformats.org/officeDocument/2006/relationships" xmlns:p="http://schemas.openxmlformats.org/presentationml/2006/main">
+  <p:cSld>
+    <p:spTree>
+      <p:nvGrpSpPr>
+        <p:cNvPr id="1" name=""/>
+        <p:cNvGrpSpPr/>
+        <p:nvPr/>
+      </p:nvGrpSpPr>
+      <p:grpSpPr>
+        <a:xfrm>
+          <a:off x="0" y="0"/>
+          <a:ext cx="0" cy="0"/>
+          <a:chOff x="0" y="0"/>
+          <a:chExt cx="0" cy="0"/>
+        </a:xfrm>
+      </p:grpSpPr>
+      <p:sp>
+        <p:nvSpPr>
+          <p:cNvPr id="2" name="Slide Image Placeholder 1"/>
+          <p:cNvSpPr>
+            <a:spLocks noGrp="1" noRot="1" noChangeAspect="1"/>
+          </p:cNvSpPr>
+          <p:nvPr>
+            <p:ph type="sldImg"/>
+          </p:nvPr>
+        </p:nvSpPr>
+        <p:spPr/>
+      </p:sp>
+      <p:sp>
+        <p:nvSpPr>
+          <p:cNvPr id="3" name="Notes Placeholder 2"/>
+          <p:cNvSpPr>
+            <a:spLocks noGrp="1"/>
+          </p:cNvSpPr>
+          <p:nvPr>
+            <p:ph type="body" idx="1"/>
+          </p:nvPr>
+        </p:nvSpPr>
+        <p:spPr/>
+        <p:txBody>
+          <a:bodyPr/>
+          <a:lstStyle/>
+          <a:p>
+            <a:endParaRPr lang="en-US" baseline="0" smtClean="0"/>
+          </a:p>
+        </p:txBody>
+      </p:sp>
+      <p:sp>
+        <p:nvSpPr>
+          <p:cNvPr id="4" name="Slide Number Placeholder 3"/>
+          <p:cNvSpPr>
+            <a:spLocks noGrp="1"/>
+          </p:cNvSpPr>
+          <p:nvPr>
+            <p:ph type="sldNum" sz="quarter" idx="10"/>
+          </p:nvPr>
+        </p:nvSpPr>
+        <p:spPr/>
+        <p:txBody>
+          <a:bodyPr/>
+          <a:lstStyle/>
+          <a:p>
+            <a:fld id="{6A747A49-E891-4005-A14A-B7C78FA41CD0}" type="slidenum">
+              <a:rPr lang="en-US" smtClean="0"/>
+              <a:t>15</a:t>
+            </a:fld>
+            <a:endParaRPr lang="en-US"/>
+          </a:p>
+        </p:txBody>
+      </p:sp>
+    </p:spTree>
+    <p:extLst>
+      <p:ext uri="{BB962C8B-B14F-4D97-AF65-F5344CB8AC3E}">
+        <p14:creationId xmlns:p14="http://schemas.microsoft.com/office/powerpoint/2010/main" val="3727433411"/>
+      </p:ext>
+    </p:extLst>
+  </p:cSld>
+  <p:clrMapOvr>
+    <a:masterClrMapping/>
+  </p:clrMapOvr>
+</p:notes>
+</file>
+
+<file path=ppt/notesSlides/notesSlide12.xml><?xml version="1.0" encoding="utf-8"?>
+<p:notes xmlns:a="http://schemas.openxmlformats.org/drawingml/2006/main" xmlns:r="http://schemas.openxmlformats.org/officeDocument/2006/relationships" xmlns:p="http://schemas.openxmlformats.org/presentationml/2006/main">
+  <p:cSld>
+    <p:spTree>
+      <p:nvGrpSpPr>
+        <p:cNvPr id="1" name=""/>
+        <p:cNvGrpSpPr/>
+        <p:nvPr/>
+      </p:nvGrpSpPr>
+      <p:grpSpPr>
+        <a:xfrm>
+          <a:off x="0" y="0"/>
+          <a:ext cx="0" cy="0"/>
+          <a:chOff x="0" y="0"/>
+          <a:chExt cx="0" cy="0"/>
+        </a:xfrm>
+      </p:grpSpPr>
+      <p:sp>
+        <p:nvSpPr>
+          <p:cNvPr id="2" name="Slide Image Placeholder 1"/>
+          <p:cNvSpPr>
+            <a:spLocks noGrp="1" noRot="1" noChangeAspect="1"/>
+          </p:cNvSpPr>
+          <p:nvPr>
+            <p:ph type="sldImg"/>
+          </p:nvPr>
+        </p:nvSpPr>
+        <p:spPr/>
+      </p:sp>
+      <p:sp>
+        <p:nvSpPr>
+          <p:cNvPr id="3" name="Notes Placeholder 2"/>
+          <p:cNvSpPr>
+            <a:spLocks noGrp="1"/>
+          </p:cNvSpPr>
+          <p:nvPr>
+            <p:ph type="body" idx="1"/>
+          </p:nvPr>
+        </p:nvSpPr>
+        <p:spPr/>
+        <p:txBody>
+          <a:bodyPr/>
+          <a:lstStyle/>
+          <a:p>
+            <a:endParaRPr lang="en-US" baseline="0" smtClean="0"/>
+          </a:p>
+        </p:txBody>
+      </p:sp>
+      <p:sp>
+        <p:nvSpPr>
+          <p:cNvPr id="4" name="Slide Number Placeholder 3"/>
+          <p:cNvSpPr>
+            <a:spLocks noGrp="1"/>
+          </p:cNvSpPr>
+          <p:nvPr>
+            <p:ph type="sldNum" sz="quarter" idx="10"/>
+          </p:nvPr>
+        </p:nvSpPr>
+        <p:spPr/>
+        <p:txBody>
+          <a:bodyPr/>
+          <a:lstStyle/>
+          <a:p>
+            <a:fld id="{6A747A49-E891-4005-A14A-B7C78FA41CD0}" type="slidenum">
+              <a:rPr lang="en-US" smtClean="0"/>
+              <a:t>16</a:t>
+            </a:fld>
+            <a:endParaRPr lang="en-US"/>
+          </a:p>
+        </p:txBody>
+      </p:sp>
+    </p:spTree>
+    <p:extLst>
+      <p:ext uri="{BB962C8B-B14F-4D97-AF65-F5344CB8AC3E}">
+        <p14:creationId xmlns:p14="http://schemas.microsoft.com/office/powerpoint/2010/main" val="2464672118"/>
+      </p:ext>
+    </p:extLst>
+  </p:cSld>
+  <p:clrMapOvr>
+    <a:masterClrMapping/>
+  </p:clrMapOvr>
+</p:notes>
+</file>
+
+<file path=ppt/notesSlides/notesSlide13.xml><?xml version="1.0" encoding="utf-8"?>
+<p:notes xmlns:a="http://schemas.openxmlformats.org/drawingml/2006/main" xmlns:r="http://schemas.openxmlformats.org/officeDocument/2006/relationships" xmlns:p="http://schemas.openxmlformats.org/presentationml/2006/main">
+  <p:cSld>
+    <p:spTree>
+      <p:nvGrpSpPr>
+        <p:cNvPr id="1" name=""/>
+        <p:cNvGrpSpPr/>
+        <p:nvPr/>
+      </p:nvGrpSpPr>
+      <p:grpSpPr>
+        <a:xfrm>
+          <a:off x="0" y="0"/>
+          <a:ext cx="0" cy="0"/>
+          <a:chOff x="0" y="0"/>
+          <a:chExt cx="0" cy="0"/>
+        </a:xfrm>
+      </p:grpSpPr>
+      <p:sp>
+        <p:nvSpPr>
+          <p:cNvPr id="2" name="Slide Image Placeholder 1"/>
+          <p:cNvSpPr>
+            <a:spLocks noGrp="1" noRot="1" noChangeAspect="1"/>
+          </p:cNvSpPr>
+          <p:nvPr>
+            <p:ph type="sldImg"/>
+          </p:nvPr>
+        </p:nvSpPr>
+        <p:spPr/>
+      </p:sp>
+      <p:sp>
+        <p:nvSpPr>
+          <p:cNvPr id="3" name="Notes Placeholder 2"/>
+          <p:cNvSpPr>
+            <a:spLocks noGrp="1"/>
+          </p:cNvSpPr>
+          <p:nvPr>
+            <p:ph type="body" idx="1"/>
+          </p:nvPr>
+        </p:nvSpPr>
+        <p:spPr/>
+        <p:txBody>
+          <a:bodyPr/>
+          <a:lstStyle/>
+          <a:p>
+            <a:r>
+              <a:rPr lang="en-US" baseline="0" smtClean="0"/>
+              <a:t>Để đồng bộ dữ liệu giữa consumer &amp; producer thì chúng ta sử dụng phương pháp semaphore để giải quyết vấn đề đó. Ý tưởng của phương pháp semaphore….</a:t>
+            </a:r>
+          </a:p>
+        </p:txBody>
+      </p:sp>
+      <p:sp>
+        <p:nvSpPr>
+          <p:cNvPr id="4" name="Slide Number Placeholder 3"/>
+          <p:cNvSpPr>
+            <a:spLocks noGrp="1"/>
+          </p:cNvSpPr>
+          <p:nvPr>
+            <p:ph type="sldNum" sz="quarter" idx="10"/>
+          </p:nvPr>
+        </p:nvSpPr>
+        <p:spPr/>
+        <p:txBody>
+          <a:bodyPr/>
+          <a:lstStyle/>
+          <a:p>
+            <a:fld id="{6A747A49-E891-4005-A14A-B7C78FA41CD0}" type="slidenum">
+              <a:rPr lang="en-US" smtClean="0"/>
+              <a:t>17</a:t>
+            </a:fld>
+            <a:endParaRPr lang="en-US"/>
+          </a:p>
+        </p:txBody>
+      </p:sp>
+    </p:spTree>
+    <p:extLst>
+      <p:ext uri="{BB962C8B-B14F-4D97-AF65-F5344CB8AC3E}">
+        <p14:creationId xmlns:p14="http://schemas.microsoft.com/office/powerpoint/2010/main" val="1630708240"/>
+      </p:ext>
+    </p:extLst>
+  </p:cSld>
+  <p:clrMapOvr>
+    <a:masterClrMapping/>
+  </p:clrMapOvr>
+</p:notes>
+</file>
+
 <file path=ppt/notesSlides/notesSlide2.xml><?xml version="1.0" encoding="utf-8"?>
 <p:notes xmlns:a="http://schemas.openxmlformats.org/drawingml/2006/main" xmlns:r="http://schemas.openxmlformats.org/officeDocument/2006/relationships" xmlns:p="http://schemas.openxmlformats.org/presentationml/2006/main">
   <p:cSld>
@@ -1958,6 +2316,637 @@
           <a:bodyPr/>
           <a:lstStyle/>
           <a:p>
+            <a:pPr marL="171450" indent="-171450">
+              <a:buFontTx/>
+              <a:buChar char="-"/>
+            </a:pPr>
+            <a:r>
+              <a:rPr lang="en-US" sz="1200" kern="1200" smtClean="0">
+                <a:solidFill>
+                  <a:schemeClr val="tx1"/>
+                </a:solidFill>
+                <a:effectLst/>
+                <a:latin typeface="+mn-lt"/>
+                <a:ea typeface="+mn-ea"/>
+                <a:cs typeface="+mn-cs"/>
+              </a:rPr>
+              <a:t>Giả </a:t>
+            </a:r>
+            <a:r>
+              <a:rPr lang="en-US" sz="1200" kern="1200" smtClean="0">
+                <a:solidFill>
+                  <a:schemeClr val="tx1"/>
+                </a:solidFill>
+                <a:effectLst/>
+                <a:latin typeface="+mn-lt"/>
+                <a:ea typeface="+mn-ea"/>
+                <a:cs typeface="+mn-cs"/>
+              </a:rPr>
+              <a:t>sử rằng hệ thống có n tiến trình P</a:t>
+            </a:r>
+            <a:r>
+              <a:rPr lang="en-US" sz="1200" kern="1200" baseline="-25000" smtClean="0">
+                <a:solidFill>
+                  <a:schemeClr val="tx1"/>
+                </a:solidFill>
+                <a:effectLst/>
+                <a:latin typeface="+mn-lt"/>
+                <a:ea typeface="+mn-ea"/>
+                <a:cs typeface="+mn-cs"/>
+              </a:rPr>
+              <a:t>0</a:t>
+            </a:r>
+            <a:r>
+              <a:rPr lang="en-US" sz="1200" kern="1200" smtClean="0">
+                <a:solidFill>
+                  <a:schemeClr val="tx1"/>
+                </a:solidFill>
+                <a:effectLst/>
+                <a:latin typeface="+mn-lt"/>
+                <a:ea typeface="+mn-ea"/>
+                <a:cs typeface="+mn-cs"/>
+              </a:rPr>
+              <a:t>, P</a:t>
+            </a:r>
+            <a:r>
+              <a:rPr lang="en-US" sz="1200" kern="1200" baseline="-25000" smtClean="0">
+                <a:solidFill>
+                  <a:schemeClr val="tx1"/>
+                </a:solidFill>
+                <a:effectLst/>
+                <a:latin typeface="+mn-lt"/>
+                <a:ea typeface="+mn-ea"/>
+                <a:cs typeface="+mn-cs"/>
+              </a:rPr>
+              <a:t>1</a:t>
+            </a:r>
+            <a:r>
+              <a:rPr lang="en-US" sz="1200" kern="1200" smtClean="0">
+                <a:solidFill>
+                  <a:schemeClr val="tx1"/>
+                </a:solidFill>
+                <a:effectLst/>
+                <a:latin typeface="+mn-lt"/>
+                <a:ea typeface="+mn-ea"/>
+                <a:cs typeface="+mn-cs"/>
+              </a:rPr>
+              <a:t>, ..., P</a:t>
+            </a:r>
+            <a:r>
+              <a:rPr lang="en-US" sz="1200" kern="1200" baseline="-25000" smtClean="0">
+                <a:solidFill>
+                  <a:schemeClr val="tx1"/>
+                </a:solidFill>
+                <a:effectLst/>
+                <a:latin typeface="+mn-lt"/>
+                <a:ea typeface="+mn-ea"/>
+                <a:cs typeface="+mn-cs"/>
+              </a:rPr>
+              <a:t>n-1 </a:t>
+            </a:r>
+            <a:r>
+              <a:rPr lang="en-US" sz="1200" kern="1200" smtClean="0">
+                <a:solidFill>
+                  <a:schemeClr val="tx1"/>
+                </a:solidFill>
+                <a:effectLst/>
+                <a:latin typeface="+mn-lt"/>
+                <a:ea typeface="+mn-ea"/>
+                <a:cs typeface="+mn-cs"/>
+              </a:rPr>
+              <a:t>cùng truy xuất đồng thời một vùng dữ liệu chia </a:t>
+            </a:r>
+            <a:r>
+              <a:rPr lang="en-US" sz="1200" kern="1200" smtClean="0">
+                <a:solidFill>
+                  <a:schemeClr val="tx1"/>
+                </a:solidFill>
+                <a:effectLst/>
+                <a:latin typeface="+mn-lt"/>
+                <a:ea typeface="+mn-ea"/>
+                <a:cs typeface="+mn-cs"/>
+              </a:rPr>
+              <a:t>sẻ </a:t>
+            </a:r>
+            <a:r>
+              <a:rPr lang="en-US" sz="1200" kern="1200" smtClean="0">
+                <a:solidFill>
+                  <a:schemeClr val="tx1"/>
+                </a:solidFill>
+                <a:effectLst/>
+                <a:latin typeface="+mn-lt"/>
+                <a:ea typeface="+mn-ea"/>
+                <a:cs typeface="+mn-cs"/>
+              </a:rPr>
+              <a:t>chẳng hạn như một đoạn code nào đó. Đoạn code được chia sẻ đó được gọi là vùng tranh chấp, trong vùng tranh chấp này các tiến trình có thể thay đổi biến dùng chung, cập nhật giá trị cho các dữ </a:t>
+            </a:r>
+            <a:r>
+              <a:rPr lang="en-US" sz="1200" kern="1200" smtClean="0">
+                <a:solidFill>
+                  <a:schemeClr val="tx1"/>
+                </a:solidFill>
+                <a:effectLst/>
+                <a:latin typeface="+mn-lt"/>
+                <a:ea typeface="+mn-ea"/>
+                <a:cs typeface="+mn-cs"/>
+              </a:rPr>
+              <a:t>liệu.</a:t>
+            </a:r>
+          </a:p>
+          <a:p>
+            <a:pPr marL="171450" indent="-171450">
+              <a:buFontTx/>
+              <a:buChar char="-"/>
+            </a:pPr>
+            <a:r>
+              <a:rPr lang="en-US" sz="1200" kern="1200" smtClean="0">
+                <a:solidFill>
+                  <a:schemeClr val="tx1"/>
+                </a:solidFill>
+                <a:effectLst/>
+                <a:latin typeface="+mn-lt"/>
+                <a:ea typeface="+mn-ea"/>
+                <a:cs typeface="+mn-cs"/>
+              </a:rPr>
+              <a:t>Đối </a:t>
+            </a:r>
+            <a:r>
+              <a:rPr lang="en-US" sz="1200" kern="1200" smtClean="0">
+                <a:solidFill>
+                  <a:schemeClr val="tx1"/>
+                </a:solidFill>
+                <a:effectLst/>
+                <a:latin typeface="+mn-lt"/>
+                <a:ea typeface="+mn-ea"/>
+                <a:cs typeface="+mn-cs"/>
+              </a:rPr>
+              <a:t>với vùng tranh chấp miền găng là hệ thống phải đảm bảo sao cho khi một tiến trình đang thực thi trên vùng tranh chấp thì không có tiến trình nào khác được thực hiện tại vùng này. Sự thực thi của các tiến trình trên vùng tranh chấp được gọi là sự loại trừ tương hỗ(mutual exclusion)</a:t>
+            </a:r>
+          </a:p>
+          <a:p>
+            <a:endParaRPr lang="en-US"/>
+          </a:p>
+        </p:txBody>
+      </p:sp>
+      <p:sp>
+        <p:nvSpPr>
+          <p:cNvPr id="4" name="Slide Number Placeholder 3"/>
+          <p:cNvSpPr>
+            <a:spLocks noGrp="1"/>
+          </p:cNvSpPr>
+          <p:nvPr>
+            <p:ph type="sldNum" sz="quarter" idx="10"/>
+          </p:nvPr>
+        </p:nvSpPr>
+        <p:spPr/>
+        <p:txBody>
+          <a:bodyPr/>
+          <a:lstStyle/>
+          <a:p>
+            <a:fld id="{6A747A49-E891-4005-A14A-B7C78FA41CD0}" type="slidenum">
+              <a:rPr lang="en-US" smtClean="0"/>
+              <a:t>10</a:t>
+            </a:fld>
+            <a:endParaRPr lang="en-US"/>
+          </a:p>
+        </p:txBody>
+      </p:sp>
+    </p:spTree>
+    <p:extLst>
+      <p:ext uri="{BB962C8B-B14F-4D97-AF65-F5344CB8AC3E}">
+        <p14:creationId xmlns:p14="http://schemas.microsoft.com/office/powerpoint/2010/main" val="2091490995"/>
+      </p:ext>
+    </p:extLst>
+  </p:cSld>
+  <p:clrMapOvr>
+    <a:masterClrMapping/>
+  </p:clrMapOvr>
+</p:notes>
+</file>
+
+<file path=ppt/notesSlides/notesSlide8.xml><?xml version="1.0" encoding="utf-8"?>
+<p:notes xmlns:a="http://schemas.openxmlformats.org/drawingml/2006/main" xmlns:r="http://schemas.openxmlformats.org/officeDocument/2006/relationships" xmlns:p="http://schemas.openxmlformats.org/presentationml/2006/main">
+  <p:cSld>
+    <p:spTree>
+      <p:nvGrpSpPr>
+        <p:cNvPr id="1" name=""/>
+        <p:cNvGrpSpPr/>
+        <p:nvPr/>
+      </p:nvGrpSpPr>
+      <p:grpSpPr>
+        <a:xfrm>
+          <a:off x="0" y="0"/>
+          <a:ext cx="0" cy="0"/>
+          <a:chOff x="0" y="0"/>
+          <a:chExt cx="0" cy="0"/>
+        </a:xfrm>
+      </p:grpSpPr>
+      <p:sp>
+        <p:nvSpPr>
+          <p:cNvPr id="2" name="Slide Image Placeholder 1"/>
+          <p:cNvSpPr>
+            <a:spLocks noGrp="1" noRot="1" noChangeAspect="1"/>
+          </p:cNvSpPr>
+          <p:nvPr>
+            <p:ph type="sldImg"/>
+          </p:nvPr>
+        </p:nvSpPr>
+        <p:spPr/>
+      </p:sp>
+      <p:sp>
+        <p:nvSpPr>
+          <p:cNvPr id="3" name="Notes Placeholder 2"/>
+          <p:cNvSpPr>
+            <a:spLocks noGrp="1"/>
+          </p:cNvSpPr>
+          <p:nvPr>
+            <p:ph type="body" idx="1"/>
+          </p:nvPr>
+        </p:nvSpPr>
+        <p:spPr/>
+        <p:txBody>
+          <a:bodyPr/>
+          <a:lstStyle/>
+          <a:p>
+            <a:pPr marL="171450" marR="0" indent="-171450" algn="l" defTabSz="914400" rtl="0" eaLnBrk="1" fontAlgn="auto" latinLnBrk="0" hangingPunct="1">
+              <a:lnSpc>
+                <a:spcPct val="100000"/>
+              </a:lnSpc>
+              <a:spcBef>
+                <a:spcPts val="0"/>
+              </a:spcBef>
+              <a:spcAft>
+                <a:spcPts val="0"/>
+              </a:spcAft>
+              <a:buClrTx/>
+              <a:buSzTx/>
+              <a:buFontTx/>
+              <a:buChar char="-"/>
+              <a:tabLst/>
+              <a:defRPr/>
+            </a:pPr>
+            <a:r>
+              <a:rPr lang="vi-VN" sz="1200" b="0" i="0" kern="1200" smtClean="0">
+                <a:solidFill>
+                  <a:schemeClr val="tx1"/>
+                </a:solidFill>
+                <a:effectLst/>
+                <a:latin typeface="+mn-lt"/>
+                <a:ea typeface="+mn-ea"/>
+                <a:cs typeface="+mn-cs"/>
+              </a:rPr>
+              <a:t>Mutex sử dụng cơ chế khóa, tức là nếu một tiến trình muốn sử dụng một tài nguyên thì nó sẽ khóa tài nguyên đó, sử dụng nó và sau đó giải phóng nó. Nhưng mặt khác, semaphore sử dụng một cơ chế báo hiệu trong đó các phương thức wait () và signal () được sử dụng để hiển thị nếu một tiến trình đang giải phóng một tài nguyên hoặc lấy một tài nguyên.</a:t>
+            </a:r>
+            <a:endParaRPr lang="en-US" sz="1200" b="0" i="0" kern="1200" smtClean="0">
+              <a:solidFill>
+                <a:schemeClr val="tx1"/>
+              </a:solidFill>
+              <a:effectLst/>
+              <a:latin typeface="+mn-lt"/>
+              <a:ea typeface="+mn-ea"/>
+              <a:cs typeface="+mn-cs"/>
+            </a:endParaRPr>
+          </a:p>
+          <a:p>
+            <a:pPr marL="171450" marR="0" indent="-171450" algn="l" defTabSz="914400" rtl="0" eaLnBrk="1" fontAlgn="auto" latinLnBrk="0" hangingPunct="1">
+              <a:lnSpc>
+                <a:spcPct val="100000"/>
+              </a:lnSpc>
+              <a:spcBef>
+                <a:spcPts val="0"/>
+              </a:spcBef>
+              <a:spcAft>
+                <a:spcPts val="0"/>
+              </a:spcAft>
+              <a:buClrTx/>
+              <a:buSzTx/>
+              <a:buFontTx/>
+              <a:buChar char="-"/>
+              <a:tabLst/>
+              <a:defRPr/>
+            </a:pPr>
+            <a:r>
+              <a:rPr lang="vi-VN" sz="1200" b="0" i="0" kern="1200" smtClean="0">
+                <a:solidFill>
+                  <a:schemeClr val="tx1"/>
+                </a:solidFill>
+                <a:effectLst/>
+                <a:latin typeface="+mn-lt"/>
+                <a:ea typeface="+mn-ea"/>
+                <a:cs typeface="+mn-cs"/>
+              </a:rPr>
+              <a:t>Một mutex là một đối tượng nhưng semaphore là một biến số nguyên.</a:t>
+            </a:r>
+            <a:endParaRPr lang="en-US" sz="1200" b="0" i="0" kern="1200" smtClean="0">
+              <a:solidFill>
+                <a:schemeClr val="tx1"/>
+              </a:solidFill>
+              <a:effectLst/>
+              <a:latin typeface="+mn-lt"/>
+              <a:ea typeface="+mn-ea"/>
+              <a:cs typeface="+mn-cs"/>
+            </a:endParaRPr>
+          </a:p>
+          <a:p>
+            <a:pPr marL="171450" marR="0" indent="-171450" algn="l" defTabSz="914400" rtl="0" eaLnBrk="1" fontAlgn="auto" latinLnBrk="0" hangingPunct="1">
+              <a:lnSpc>
+                <a:spcPct val="100000"/>
+              </a:lnSpc>
+              <a:spcBef>
+                <a:spcPts val="0"/>
+              </a:spcBef>
+              <a:spcAft>
+                <a:spcPts val="0"/>
+              </a:spcAft>
+              <a:buClrTx/>
+              <a:buSzTx/>
+              <a:buFontTx/>
+              <a:buChar char="-"/>
+              <a:tabLst/>
+              <a:defRPr/>
+            </a:pPr>
+            <a:r>
+              <a:rPr lang="vi-VN" sz="1200" b="0" i="0" kern="1200" smtClean="0">
+                <a:solidFill>
+                  <a:schemeClr val="tx1"/>
+                </a:solidFill>
+                <a:effectLst/>
+                <a:latin typeface="+mn-lt"/>
+                <a:ea typeface="+mn-ea"/>
+                <a:cs typeface="+mn-cs"/>
+              </a:rPr>
+              <a:t>Mutex không có kiểu con trong khi Semaphore có hai kiểu, đó là </a:t>
+            </a:r>
+            <a:r>
+              <a:rPr lang="en-US" sz="1200" b="0" i="0" kern="1200" smtClean="0">
+                <a:solidFill>
+                  <a:schemeClr val="tx1"/>
+                </a:solidFill>
+                <a:effectLst/>
+                <a:latin typeface="+mn-lt"/>
+                <a:ea typeface="+mn-ea"/>
+                <a:cs typeface="+mn-cs"/>
+              </a:rPr>
+              <a:t>counting</a:t>
+            </a:r>
+            <a:r>
+              <a:rPr lang="vi-VN" sz="1200" b="0" i="0" kern="1200" smtClean="0">
+                <a:solidFill>
+                  <a:schemeClr val="tx1"/>
+                </a:solidFill>
+                <a:effectLst/>
+                <a:latin typeface="+mn-lt"/>
+                <a:ea typeface="+mn-ea"/>
+                <a:cs typeface="+mn-cs"/>
+              </a:rPr>
+              <a:t> semaphore và </a:t>
+            </a:r>
+            <a:r>
+              <a:rPr lang="en-US" sz="1200" b="0" i="0" kern="1200" smtClean="0">
+                <a:solidFill>
+                  <a:schemeClr val="tx1"/>
+                </a:solidFill>
+                <a:effectLst/>
+                <a:latin typeface="+mn-lt"/>
+                <a:ea typeface="+mn-ea"/>
+                <a:cs typeface="+mn-cs"/>
+              </a:rPr>
+              <a:t>binary </a:t>
+            </a:r>
+            <a:r>
+              <a:rPr lang="vi-VN" sz="1200" b="0" i="0" kern="1200" smtClean="0">
+                <a:solidFill>
+                  <a:schemeClr val="tx1"/>
+                </a:solidFill>
+                <a:effectLst/>
+                <a:latin typeface="+mn-lt"/>
+                <a:ea typeface="+mn-ea"/>
+                <a:cs typeface="+mn-cs"/>
+              </a:rPr>
+              <a:t>semaphore.</a:t>
+            </a:r>
+            <a:endParaRPr lang="en-US" sz="1200" b="0" i="0" kern="1200" smtClean="0">
+              <a:solidFill>
+                <a:schemeClr val="tx1"/>
+              </a:solidFill>
+              <a:effectLst/>
+              <a:latin typeface="+mn-lt"/>
+              <a:ea typeface="+mn-ea"/>
+              <a:cs typeface="+mn-cs"/>
+            </a:endParaRPr>
+          </a:p>
+          <a:p>
+            <a:pPr marL="171450" marR="0" indent="-171450" algn="l" defTabSz="914400" rtl="0" eaLnBrk="1" fontAlgn="auto" latinLnBrk="0" hangingPunct="1">
+              <a:lnSpc>
+                <a:spcPct val="100000"/>
+              </a:lnSpc>
+              <a:spcBef>
+                <a:spcPts val="0"/>
+              </a:spcBef>
+              <a:spcAft>
+                <a:spcPts val="0"/>
+              </a:spcAft>
+              <a:buClrTx/>
+              <a:buSzTx/>
+              <a:buFontTx/>
+              <a:buChar char="-"/>
+              <a:tabLst/>
+              <a:defRPr/>
+            </a:pPr>
+            <a:r>
+              <a:rPr lang="vi-VN" sz="1200" b="0" i="0" kern="1200" smtClean="0">
+                <a:solidFill>
+                  <a:schemeClr val="tx1"/>
+                </a:solidFill>
+                <a:effectLst/>
+                <a:latin typeface="+mn-lt"/>
+                <a:ea typeface="+mn-ea"/>
+                <a:cs typeface="+mn-cs"/>
+              </a:rPr>
+              <a:t>Semaphore hỗ trợ sửa đổi hoạt động chờ và báo hiệu, trong khi Mutex chỉ được sửa đổi bởi quy trình có thể yêu cầu hoặc giải phóng tài nguyên.</a:t>
+            </a:r>
+            <a:endParaRPr lang="en-US" sz="1200" b="0" i="0" kern="1200" smtClean="0">
+              <a:solidFill>
+                <a:schemeClr val="tx1"/>
+              </a:solidFill>
+              <a:effectLst/>
+              <a:latin typeface="+mn-lt"/>
+              <a:ea typeface="+mn-ea"/>
+              <a:cs typeface="+mn-cs"/>
+            </a:endParaRPr>
+          </a:p>
+          <a:p>
+            <a:pPr marL="171450" marR="0" indent="-171450" algn="l" defTabSz="914400" rtl="0" eaLnBrk="1" fontAlgn="auto" latinLnBrk="0" hangingPunct="1">
+              <a:lnSpc>
+                <a:spcPct val="100000"/>
+              </a:lnSpc>
+              <a:spcBef>
+                <a:spcPts val="0"/>
+              </a:spcBef>
+              <a:spcAft>
+                <a:spcPts val="0"/>
+              </a:spcAft>
+              <a:buClrTx/>
+              <a:buSzTx/>
+              <a:buFontTx/>
+              <a:buChar char="-"/>
+              <a:tabLst/>
+              <a:defRPr/>
+            </a:pPr>
+            <a:r>
+              <a:rPr lang="vi-VN" sz="1200" b="0" i="0" kern="1200" smtClean="0">
+                <a:solidFill>
+                  <a:schemeClr val="tx1"/>
+                </a:solidFill>
+                <a:effectLst/>
+                <a:latin typeface="+mn-lt"/>
+                <a:ea typeface="+mn-ea"/>
+                <a:cs typeface="+mn-cs"/>
+              </a:rPr>
+              <a:t>Giá trị Semaphore được sửa đổi bằng cách sử dụng các hoạt động wait() và signal(), mặt khác, các hoạt động Mutex bị khóa hoặc mở khóa.</a:t>
+            </a:r>
+          </a:p>
+          <a:p>
+            <a:pPr marL="171450" marR="0" indent="-171450" algn="l" defTabSz="914400" rtl="0" eaLnBrk="1" fontAlgn="auto" latinLnBrk="0" hangingPunct="1">
+              <a:lnSpc>
+                <a:spcPct val="100000"/>
+              </a:lnSpc>
+              <a:spcBef>
+                <a:spcPts val="0"/>
+              </a:spcBef>
+              <a:spcAft>
+                <a:spcPts val="0"/>
+              </a:spcAft>
+              <a:buClrTx/>
+              <a:buSzTx/>
+              <a:buFontTx/>
+              <a:buChar char="-"/>
+              <a:tabLst/>
+              <a:defRPr/>
+            </a:pPr>
+            <a:endParaRPr lang="vi-VN" sz="1200" b="0" i="0" kern="1200" smtClean="0">
+              <a:solidFill>
+                <a:schemeClr val="tx1"/>
+              </a:solidFill>
+              <a:effectLst/>
+              <a:latin typeface="+mn-lt"/>
+              <a:ea typeface="+mn-ea"/>
+              <a:cs typeface="+mn-cs"/>
+            </a:endParaRPr>
+          </a:p>
+          <a:p>
+            <a:pPr marL="0" marR="0" indent="0" algn="l" defTabSz="914400" rtl="0" eaLnBrk="1" fontAlgn="auto" latinLnBrk="0" hangingPunct="1">
+              <a:lnSpc>
+                <a:spcPct val="100000"/>
+              </a:lnSpc>
+              <a:spcBef>
+                <a:spcPts val="0"/>
+              </a:spcBef>
+              <a:spcAft>
+                <a:spcPts val="0"/>
+              </a:spcAft>
+              <a:buClrTx/>
+              <a:buSzTx/>
+              <a:buFontTx/>
+              <a:buNone/>
+              <a:tabLst/>
+              <a:defRPr/>
+            </a:pPr>
+            <a:endParaRPr lang="vi-VN" sz="1200" b="0" i="0" kern="1200" smtClean="0">
+              <a:solidFill>
+                <a:schemeClr val="tx1"/>
+              </a:solidFill>
+              <a:effectLst/>
+              <a:latin typeface="+mn-lt"/>
+              <a:ea typeface="+mn-ea"/>
+              <a:cs typeface="+mn-cs"/>
+            </a:endParaRPr>
+          </a:p>
+          <a:p>
+            <a:endParaRPr lang="en-US"/>
+          </a:p>
+        </p:txBody>
+      </p:sp>
+      <p:sp>
+        <p:nvSpPr>
+          <p:cNvPr id="4" name="Slide Number Placeholder 3"/>
+          <p:cNvSpPr>
+            <a:spLocks noGrp="1"/>
+          </p:cNvSpPr>
+          <p:nvPr>
+            <p:ph type="sldNum" sz="quarter" idx="10"/>
+          </p:nvPr>
+        </p:nvSpPr>
+        <p:spPr/>
+        <p:txBody>
+          <a:bodyPr/>
+          <a:lstStyle/>
+          <a:p>
+            <a:fld id="{6A747A49-E891-4005-A14A-B7C78FA41CD0}" type="slidenum">
+              <a:rPr lang="en-US" smtClean="0"/>
+              <a:t>12</a:t>
+            </a:fld>
+            <a:endParaRPr lang="en-US"/>
+          </a:p>
+        </p:txBody>
+      </p:sp>
+    </p:spTree>
+    <p:extLst>
+      <p:ext uri="{BB962C8B-B14F-4D97-AF65-F5344CB8AC3E}">
+        <p14:creationId xmlns:p14="http://schemas.microsoft.com/office/powerpoint/2010/main" val="3755739299"/>
+      </p:ext>
+    </p:extLst>
+  </p:cSld>
+  <p:clrMapOvr>
+    <a:masterClrMapping/>
+  </p:clrMapOvr>
+</p:notes>
+</file>
+
+<file path=ppt/notesSlides/notesSlide9.xml><?xml version="1.0" encoding="utf-8"?>
+<p:notes xmlns:a="http://schemas.openxmlformats.org/drawingml/2006/main" xmlns:r="http://schemas.openxmlformats.org/officeDocument/2006/relationships" xmlns:p="http://schemas.openxmlformats.org/presentationml/2006/main">
+  <p:cSld>
+    <p:spTree>
+      <p:nvGrpSpPr>
+        <p:cNvPr id="1" name=""/>
+        <p:cNvGrpSpPr/>
+        <p:nvPr/>
+      </p:nvGrpSpPr>
+      <p:grpSpPr>
+        <a:xfrm>
+          <a:off x="0" y="0"/>
+          <a:ext cx="0" cy="0"/>
+          <a:chOff x="0" y="0"/>
+          <a:chExt cx="0" cy="0"/>
+        </a:xfrm>
+      </p:grpSpPr>
+      <p:sp>
+        <p:nvSpPr>
+          <p:cNvPr id="2" name="Slide Image Placeholder 1"/>
+          <p:cNvSpPr>
+            <a:spLocks noGrp="1" noRot="1" noChangeAspect="1"/>
+          </p:cNvSpPr>
+          <p:nvPr>
+            <p:ph type="sldImg"/>
+          </p:nvPr>
+        </p:nvSpPr>
+        <p:spPr/>
+      </p:sp>
+      <p:sp>
+        <p:nvSpPr>
+          <p:cNvPr id="3" name="Notes Placeholder 2"/>
+          <p:cNvSpPr>
+            <a:spLocks noGrp="1"/>
+          </p:cNvSpPr>
+          <p:nvPr>
+            <p:ph type="body" idx="1"/>
+          </p:nvPr>
+        </p:nvSpPr>
+        <p:spPr/>
+        <p:txBody>
+          <a:bodyPr/>
+          <a:lstStyle/>
+          <a:p>
             <a:r>
               <a:rPr lang="vi-VN" sz="1200" b="0" i="0" kern="1200" smtClean="0">
                 <a:solidFill>
@@ -2029,7 +3018,7 @@
           <a:p>
             <a:fld id="{6A747A49-E891-4005-A14A-B7C78FA41CD0}" type="slidenum">
               <a:rPr lang="en-US" smtClean="0"/>
-              <a:t>12</a:t>
+              <a:t>13</a:t>
             </a:fld>
             <a:endParaRPr lang="en-US"/>
           </a:p>
@@ -2274,7 +3263,7 @@
           <a:p>
             <a:fld id="{42597127-EAD6-42B6-BEA4-07628D4AE7C7}" type="datetimeFigureOut">
               <a:rPr lang="en-US" smtClean="0"/>
-              <a:t>19/5/2022</a:t>
+              <a:t>21/5/2022</a:t>
             </a:fld>
             <a:endParaRPr lang="en-US"/>
           </a:p>
@@ -2482,7 +3471,7 @@
           <a:p>
             <a:fld id="{42597127-EAD6-42B6-BEA4-07628D4AE7C7}" type="datetimeFigureOut">
               <a:rPr lang="en-US" smtClean="0"/>
-              <a:t>19/5/2022</a:t>
+              <a:t>21/5/2022</a:t>
             </a:fld>
             <a:endParaRPr lang="en-US"/>
           </a:p>
@@ -2738,7 +3727,7 @@
           <a:p>
             <a:fld id="{42597127-EAD6-42B6-BEA4-07628D4AE7C7}" type="datetimeFigureOut">
               <a:rPr lang="en-US" smtClean="0"/>
-              <a:t>19/5/2022</a:t>
+              <a:t>21/5/2022</a:t>
             </a:fld>
             <a:endParaRPr lang="en-US"/>
           </a:p>
@@ -2912,7 +3901,7 @@
           <a:p>
             <a:fld id="{42597127-EAD6-42B6-BEA4-07628D4AE7C7}" type="datetimeFigureOut">
               <a:rPr lang="en-US" smtClean="0"/>
-              <a:t>19/5/2022</a:t>
+              <a:t>21/5/2022</a:t>
             </a:fld>
             <a:endParaRPr lang="en-US"/>
           </a:p>
@@ -3255,7 +4244,7 @@
           <a:p>
             <a:fld id="{42597127-EAD6-42B6-BEA4-07628D4AE7C7}" type="datetimeFigureOut">
               <a:rPr lang="en-US" smtClean="0"/>
-              <a:t>19/5/2022</a:t>
+              <a:t>21/5/2022</a:t>
             </a:fld>
             <a:endParaRPr lang="en-US"/>
           </a:p>
@@ -3530,7 +4519,7 @@
           <a:p>
             <a:fld id="{42597127-EAD6-42B6-BEA4-07628D4AE7C7}" type="datetimeFigureOut">
               <a:rPr lang="en-US" smtClean="0"/>
-              <a:t>19/5/2022</a:t>
+              <a:t>21/5/2022</a:t>
             </a:fld>
             <a:endParaRPr lang="en-US"/>
           </a:p>
@@ -3909,7 +4898,7 @@
           <a:p>
             <a:fld id="{42597127-EAD6-42B6-BEA4-07628D4AE7C7}" type="datetimeFigureOut">
               <a:rPr lang="en-US" smtClean="0"/>
-              <a:t>19/5/2022</a:t>
+              <a:t>21/5/2022</a:t>
             </a:fld>
             <a:endParaRPr lang="en-US"/>
           </a:p>
@@ -4027,7 +5016,7 @@
           <a:p>
             <a:fld id="{42597127-EAD6-42B6-BEA4-07628D4AE7C7}" type="datetimeFigureOut">
               <a:rPr lang="en-US" smtClean="0"/>
-              <a:t>19/5/2022</a:t>
+              <a:t>21/5/2022</a:t>
             </a:fld>
             <a:endParaRPr lang="en-US"/>
           </a:p>
@@ -4198,7 +5187,7 @@
           <a:p>
             <a:fld id="{42597127-EAD6-42B6-BEA4-07628D4AE7C7}" type="datetimeFigureOut">
               <a:rPr lang="en-US" smtClean="0"/>
-              <a:t>19/5/2022</a:t>
+              <a:t>21/5/2022</a:t>
             </a:fld>
             <a:endParaRPr lang="en-US"/>
           </a:p>
@@ -4552,7 +5541,7 @@
           <a:p>
             <a:fld id="{42597127-EAD6-42B6-BEA4-07628D4AE7C7}" type="datetimeFigureOut">
               <a:rPr lang="en-US" smtClean="0"/>
-              <a:t>19/5/2022</a:t>
+              <a:t>21/5/2022</a:t>
             </a:fld>
             <a:endParaRPr lang="en-US"/>
           </a:p>
@@ -4934,7 +5923,7 @@
           <a:p>
             <a:fld id="{42597127-EAD6-42B6-BEA4-07628D4AE7C7}" type="datetimeFigureOut">
               <a:rPr lang="en-US" smtClean="0"/>
-              <a:t>19/5/2022</a:t>
+              <a:t>21/5/2022</a:t>
             </a:fld>
             <a:endParaRPr lang="en-US"/>
           </a:p>
@@ -5221,7 +6210,7 @@
           <a:p>
             <a:fld id="{42597127-EAD6-42B6-BEA4-07628D4AE7C7}" type="datetimeFigureOut">
               <a:rPr lang="en-US" smtClean="0"/>
-              <a:t>19/5/2022</a:t>
+              <a:t>21/5/2022</a:t>
             </a:fld>
             <a:endParaRPr lang="en-US"/>
           </a:p>
@@ -5855,23 +6844,374 @@
       </p:sp>
       <p:sp>
         <p:nvSpPr>
-          <p:cNvPr id="3" name="Content Placeholder 2"/>
-          <p:cNvSpPr>
-            <a:spLocks noGrp="1"/>
-          </p:cNvSpPr>
-          <p:nvPr>
-            <p:ph idx="1"/>
-          </p:nvPr>
-        </p:nvSpPr>
-        <p:spPr/>
-        <p:txBody>
-          <a:bodyPr/>
+          <p:cNvPr id="4" name="Oval 3"/>
+          <p:cNvSpPr/>
+          <p:nvPr/>
+        </p:nvSpPr>
+        <p:spPr>
+          <a:xfrm>
+            <a:off x="1669143" y="2841172"/>
+            <a:ext cx="2164702" cy="1175657"/>
+          </a:xfrm>
+          <a:prstGeom prst="ellipse">
+            <a:avLst/>
+          </a:prstGeom>
+          <a:solidFill>
+            <a:srgbClr val="00B050"/>
+          </a:solidFill>
+          <a:ln>
+            <a:solidFill>
+              <a:srgbClr val="00B050"/>
+            </a:solidFill>
+          </a:ln>
+        </p:spPr>
+        <p:style>
+          <a:lnRef idx="2">
+            <a:schemeClr val="accent1">
+              <a:shade val="50000"/>
+            </a:schemeClr>
+          </a:lnRef>
+          <a:fillRef idx="1">
+            <a:schemeClr val="accent1"/>
+          </a:fillRef>
+          <a:effectRef idx="0">
+            <a:schemeClr val="accent1"/>
+          </a:effectRef>
+          <a:fontRef idx="minor">
+            <a:schemeClr val="lt1"/>
+          </a:fontRef>
+        </p:style>
+        <p:txBody>
+          <a:bodyPr rtlCol="0" anchor="ctr"/>
           <a:lstStyle/>
           <a:p>
-            <a:endParaRPr lang="en-US"/>
-          </a:p>
-        </p:txBody>
-      </p:sp>
+            <a:pPr algn="ctr"/>
+            <a:r>
+              <a:rPr lang="en-US" sz="2400" b="1" smtClean="0"/>
+              <a:t>Process A</a:t>
+            </a:r>
+            <a:endParaRPr lang="en-US" sz="2400" b="1"/>
+          </a:p>
+        </p:txBody>
+      </p:sp>
+      <p:sp>
+        <p:nvSpPr>
+          <p:cNvPr id="7" name="Oval 6"/>
+          <p:cNvSpPr/>
+          <p:nvPr/>
+        </p:nvSpPr>
+        <p:spPr>
+          <a:xfrm>
+            <a:off x="8213011" y="2841172"/>
+            <a:ext cx="2164702" cy="1175657"/>
+          </a:xfrm>
+          <a:prstGeom prst="ellipse">
+            <a:avLst/>
+          </a:prstGeom>
+          <a:solidFill>
+            <a:srgbClr val="0070C0"/>
+          </a:solidFill>
+          <a:ln>
+            <a:solidFill>
+              <a:srgbClr val="00B0F0"/>
+            </a:solidFill>
+          </a:ln>
+        </p:spPr>
+        <p:style>
+          <a:lnRef idx="2">
+            <a:schemeClr val="accent1">
+              <a:shade val="50000"/>
+            </a:schemeClr>
+          </a:lnRef>
+          <a:fillRef idx="1">
+            <a:schemeClr val="accent1"/>
+          </a:fillRef>
+          <a:effectRef idx="0">
+            <a:schemeClr val="accent1"/>
+          </a:effectRef>
+          <a:fontRef idx="minor">
+            <a:schemeClr val="lt1"/>
+          </a:fontRef>
+        </p:style>
+        <p:txBody>
+          <a:bodyPr rtlCol="0" anchor="ctr"/>
+          <a:lstStyle/>
+          <a:p>
+            <a:pPr algn="ctr"/>
+            <a:r>
+              <a:rPr lang="en-US" sz="2400" b="1" smtClean="0"/>
+              <a:t>Process B</a:t>
+            </a:r>
+            <a:endParaRPr lang="en-US" sz="2400" b="1"/>
+          </a:p>
+        </p:txBody>
+      </p:sp>
+      <p:sp>
+        <p:nvSpPr>
+          <p:cNvPr id="8" name="Flowchart: Alternate Process 7"/>
+          <p:cNvSpPr/>
+          <p:nvPr/>
+        </p:nvSpPr>
+        <p:spPr>
+          <a:xfrm>
+            <a:off x="5094514" y="2841172"/>
+            <a:ext cx="1973943" cy="1175657"/>
+          </a:xfrm>
+          <a:prstGeom prst="flowChartAlternateProcess">
+            <a:avLst/>
+          </a:prstGeom>
+        </p:spPr>
+        <p:style>
+          <a:lnRef idx="2">
+            <a:schemeClr val="accent1">
+              <a:shade val="50000"/>
+            </a:schemeClr>
+          </a:lnRef>
+          <a:fillRef idx="1">
+            <a:schemeClr val="accent1"/>
+          </a:fillRef>
+          <a:effectRef idx="0">
+            <a:schemeClr val="accent1"/>
+          </a:effectRef>
+          <a:fontRef idx="minor">
+            <a:schemeClr val="lt1"/>
+          </a:fontRef>
+        </p:style>
+        <p:txBody>
+          <a:bodyPr rtlCol="0" anchor="ctr"/>
+          <a:lstStyle/>
+          <a:p>
+            <a:pPr algn="ctr"/>
+            <a:r>
+              <a:rPr lang="en-US" sz="3200" b="1" smtClean="0"/>
+              <a:t>Data</a:t>
+            </a:r>
+            <a:endParaRPr lang="en-US" sz="3200" b="1"/>
+          </a:p>
+        </p:txBody>
+      </p:sp>
+      <p:sp>
+        <p:nvSpPr>
+          <p:cNvPr id="9" name="TextBox 8"/>
+          <p:cNvSpPr txBox="1"/>
+          <p:nvPr/>
+        </p:nvSpPr>
+        <p:spPr>
+          <a:xfrm flipH="1">
+            <a:off x="5481864" y="4179874"/>
+            <a:ext cx="1289232" cy="461665"/>
+          </a:xfrm>
+          <a:prstGeom prst="rect">
+            <a:avLst/>
+          </a:prstGeom>
+          <a:noFill/>
+        </p:spPr>
+        <p:txBody>
+          <a:bodyPr wrap="square" rtlCol="0">
+            <a:spAutoFit/>
+          </a:bodyPr>
+          <a:lstStyle/>
+          <a:p>
+            <a:r>
+              <a:rPr lang="en-US" sz="2400" b="1" smtClean="0"/>
+              <a:t>Memory</a:t>
+            </a:r>
+            <a:endParaRPr lang="en-US" sz="2400" b="1"/>
+          </a:p>
+        </p:txBody>
+      </p:sp>
+      <p:cxnSp>
+        <p:nvCxnSpPr>
+          <p:cNvPr id="11" name="Straight Arrow Connector 10"/>
+          <p:cNvCxnSpPr>
+            <a:stCxn id="4" idx="6"/>
+            <a:endCxn id="8" idx="1"/>
+          </p:cNvCxnSpPr>
+          <p:nvPr/>
+        </p:nvCxnSpPr>
+        <p:spPr>
+          <a:xfrm>
+            <a:off x="3833845" y="3429001"/>
+            <a:ext cx="1260669" cy="0"/>
+          </a:xfrm>
+          <a:prstGeom prst="straightConnector1">
+            <a:avLst/>
+          </a:prstGeom>
+          <a:ln w="38100">
+            <a:tailEnd type="triangle"/>
+          </a:ln>
+        </p:spPr>
+        <p:style>
+          <a:lnRef idx="1">
+            <a:schemeClr val="accent1"/>
+          </a:lnRef>
+          <a:fillRef idx="0">
+            <a:schemeClr val="accent1"/>
+          </a:fillRef>
+          <a:effectRef idx="0">
+            <a:schemeClr val="accent1"/>
+          </a:effectRef>
+          <a:fontRef idx="minor">
+            <a:schemeClr val="tx1"/>
+          </a:fontRef>
+        </p:style>
+      </p:cxnSp>
+      <p:cxnSp>
+        <p:nvCxnSpPr>
+          <p:cNvPr id="12" name="Straight Arrow Connector 11"/>
+          <p:cNvCxnSpPr>
+            <a:stCxn id="7" idx="2"/>
+            <a:endCxn id="8" idx="3"/>
+          </p:cNvCxnSpPr>
+          <p:nvPr/>
+        </p:nvCxnSpPr>
+        <p:spPr>
+          <a:xfrm flipH="1">
+            <a:off x="7068457" y="3429001"/>
+            <a:ext cx="1144554" cy="0"/>
+          </a:xfrm>
+          <a:prstGeom prst="straightConnector1">
+            <a:avLst/>
+          </a:prstGeom>
+          <a:ln w="38100">
+            <a:tailEnd type="triangle"/>
+          </a:ln>
+        </p:spPr>
+        <p:style>
+          <a:lnRef idx="1">
+            <a:schemeClr val="accent1"/>
+          </a:lnRef>
+          <a:fillRef idx="0">
+            <a:schemeClr val="accent1"/>
+          </a:fillRef>
+          <a:effectRef idx="0">
+            <a:schemeClr val="accent1"/>
+          </a:effectRef>
+          <a:fontRef idx="minor">
+            <a:schemeClr val="tx1"/>
+          </a:fontRef>
+        </p:style>
+      </p:cxnSp>
+      <p:sp>
+        <p:nvSpPr>
+          <p:cNvPr id="15" name="TextBox 14"/>
+          <p:cNvSpPr txBox="1"/>
+          <p:nvPr/>
+        </p:nvSpPr>
+        <p:spPr>
+          <a:xfrm flipH="1">
+            <a:off x="3921164" y="2942770"/>
+            <a:ext cx="1013693" cy="461665"/>
+          </a:xfrm>
+          <a:prstGeom prst="rect">
+            <a:avLst/>
+          </a:prstGeom>
+          <a:noFill/>
+        </p:spPr>
+        <p:txBody>
+          <a:bodyPr wrap="square" rtlCol="0">
+            <a:spAutoFit/>
+          </a:bodyPr>
+          <a:lstStyle/>
+          <a:p>
+            <a:r>
+              <a:rPr lang="en-US" sz="2400" b="1" smtClean="0"/>
+              <a:t>Writre</a:t>
+            </a:r>
+            <a:endParaRPr lang="en-US" sz="2400" b="1"/>
+          </a:p>
+        </p:txBody>
+      </p:sp>
+      <p:sp>
+        <p:nvSpPr>
+          <p:cNvPr id="16" name="TextBox 15"/>
+          <p:cNvSpPr txBox="1"/>
+          <p:nvPr/>
+        </p:nvSpPr>
+        <p:spPr>
+          <a:xfrm flipH="1">
+            <a:off x="7300916" y="2973196"/>
+            <a:ext cx="870625" cy="461665"/>
+          </a:xfrm>
+          <a:prstGeom prst="rect">
+            <a:avLst/>
+          </a:prstGeom>
+          <a:noFill/>
+        </p:spPr>
+        <p:txBody>
+          <a:bodyPr wrap="square" rtlCol="0">
+            <a:spAutoFit/>
+          </a:bodyPr>
+          <a:lstStyle/>
+          <a:p>
+            <a:r>
+              <a:rPr lang="en-US" sz="2400" b="1" smtClean="0"/>
+              <a:t>Read</a:t>
+            </a:r>
+            <a:endParaRPr lang="en-US" sz="2400" b="1"/>
+          </a:p>
+        </p:txBody>
+      </p:sp>
+      <p:pic>
+        <p:nvPicPr>
+          <p:cNvPr id="22" name="Picture 21"/>
+          <p:cNvPicPr>
+            <a:picLocks noChangeAspect="1"/>
+          </p:cNvPicPr>
+          <p:nvPr/>
+        </p:nvPicPr>
+        <p:blipFill>
+          <a:blip r:embed="rId3">
+            <a:extLst>
+              <a:ext uri="{28A0092B-C50C-407E-A947-70E740481C1C}">
+                <a14:useLocalDpi xmlns:a14="http://schemas.microsoft.com/office/drawing/2010/main" val="0"/>
+              </a:ext>
+            </a:extLst>
+          </a:blip>
+          <a:stretch>
+            <a:fillRect/>
+          </a:stretch>
+        </p:blipFill>
+        <p:spPr>
+          <a:xfrm>
+            <a:off x="1417321" y="1737359"/>
+            <a:ext cx="5144966" cy="4261963"/>
+          </a:xfrm>
+          <a:prstGeom prst="rect">
+            <a:avLst/>
+          </a:prstGeom>
+        </p:spPr>
+      </p:pic>
+      <p:pic>
+        <p:nvPicPr>
+          <p:cNvPr id="23" name="Picture 22"/>
+          <p:cNvPicPr>
+            <a:picLocks noChangeAspect="1"/>
+          </p:cNvPicPr>
+          <p:nvPr/>
+        </p:nvPicPr>
+        <p:blipFill>
+          <a:blip r:embed="rId4">
+            <a:extLst>
+              <a:ext uri="{28A0092B-C50C-407E-A947-70E740481C1C}">
+                <a14:useLocalDpi xmlns:a14="http://schemas.microsoft.com/office/drawing/2010/main" val="0"/>
+              </a:ext>
+            </a:extLst>
+          </a:blip>
+          <a:stretch>
+            <a:fillRect/>
+          </a:stretch>
+        </p:blipFill>
+        <p:spPr>
+          <a:xfrm>
+            <a:off x="5998547" y="1737358"/>
+            <a:ext cx="4903551" cy="4261964"/>
+          </a:xfrm>
+          <a:prstGeom prst="rect">
+            <a:avLst/>
+          </a:prstGeom>
+        </p:spPr>
+      </p:pic>
     </p:spTree>
     <p:extLst>
       <p:ext uri="{BB962C8B-B14F-4D97-AF65-F5344CB8AC3E}">
@@ -5882,6 +7222,1169 @@
   <p:clrMapOvr>
     <a:masterClrMapping/>
   </p:clrMapOvr>
+  <p:transition spd="slow">
+    <p:push dir="u"/>
+  </p:transition>
+  <p:timing>
+    <p:tnLst>
+      <p:par>
+        <p:cTn id="1" dur="indefinite" restart="never" nodeType="tmRoot">
+          <p:childTnLst>
+            <p:seq concurrent="1" nextAc="seek">
+              <p:cTn id="2" dur="indefinite" nodeType="mainSeq">
+                <p:childTnLst>
+                  <p:par>
+                    <p:cTn id="3" fill="hold">
+                      <p:stCondLst>
+                        <p:cond delay="indefinite"/>
+                      </p:stCondLst>
+                      <p:childTnLst>
+                        <p:par>
+                          <p:cTn id="4" fill="hold">
+                            <p:stCondLst>
+                              <p:cond delay="0"/>
+                            </p:stCondLst>
+                            <p:childTnLst>
+                              <p:par>
+                                <p:cTn id="5" presetID="14" presetClass="entr" presetSubtype="10" fill="hold" grpId="0" nodeType="clickEffect">
+                                  <p:stCondLst>
+                                    <p:cond delay="0"/>
+                                  </p:stCondLst>
+                                  <p:childTnLst>
+                                    <p:set>
+                                      <p:cBhvr>
+                                        <p:cTn id="6" dur="1" fill="hold">
+                                          <p:stCondLst>
+                                            <p:cond delay="0"/>
+                                          </p:stCondLst>
+                                        </p:cTn>
+                                        <p:tgtEl>
+                                          <p:spTgt spid="4"/>
+                                        </p:tgtEl>
+                                        <p:attrNameLst>
+                                          <p:attrName>style.visibility</p:attrName>
+                                        </p:attrNameLst>
+                                      </p:cBhvr>
+                                      <p:to>
+                                        <p:strVal val="visible"/>
+                                      </p:to>
+                                    </p:set>
+                                    <p:animEffect transition="in" filter="randombar(horizontal)">
+                                      <p:cBhvr>
+                                        <p:cTn id="7" dur="500"/>
+                                        <p:tgtEl>
+                                          <p:spTgt spid="4"/>
+                                        </p:tgtEl>
+                                      </p:cBhvr>
+                                    </p:animEffect>
+                                  </p:childTnLst>
+                                </p:cTn>
+                              </p:par>
+                              <p:par>
+                                <p:cTn id="8" presetID="14" presetClass="entr" presetSubtype="10" fill="hold" grpId="0" nodeType="withEffect">
+                                  <p:stCondLst>
+                                    <p:cond delay="0"/>
+                                  </p:stCondLst>
+                                  <p:childTnLst>
+                                    <p:set>
+                                      <p:cBhvr>
+                                        <p:cTn id="9" dur="1" fill="hold">
+                                          <p:stCondLst>
+                                            <p:cond delay="0"/>
+                                          </p:stCondLst>
+                                        </p:cTn>
+                                        <p:tgtEl>
+                                          <p:spTgt spid="7"/>
+                                        </p:tgtEl>
+                                        <p:attrNameLst>
+                                          <p:attrName>style.visibility</p:attrName>
+                                        </p:attrNameLst>
+                                      </p:cBhvr>
+                                      <p:to>
+                                        <p:strVal val="visible"/>
+                                      </p:to>
+                                    </p:set>
+                                    <p:animEffect transition="in" filter="randombar(horizontal)">
+                                      <p:cBhvr>
+                                        <p:cTn id="10" dur="500"/>
+                                        <p:tgtEl>
+                                          <p:spTgt spid="7"/>
+                                        </p:tgtEl>
+                                      </p:cBhvr>
+                                    </p:animEffect>
+                                  </p:childTnLst>
+                                </p:cTn>
+                              </p:par>
+                            </p:childTnLst>
+                          </p:cTn>
+                        </p:par>
+                        <p:par>
+                          <p:cTn id="11" fill="hold">
+                            <p:stCondLst>
+                              <p:cond delay="500"/>
+                            </p:stCondLst>
+                            <p:childTnLst>
+                              <p:par>
+                                <p:cTn id="12" presetID="14" presetClass="entr" presetSubtype="10" fill="hold" grpId="0" nodeType="afterEffect">
+                                  <p:stCondLst>
+                                    <p:cond delay="0"/>
+                                  </p:stCondLst>
+                                  <p:childTnLst>
+                                    <p:set>
+                                      <p:cBhvr>
+                                        <p:cTn id="13" dur="1" fill="hold">
+                                          <p:stCondLst>
+                                            <p:cond delay="0"/>
+                                          </p:stCondLst>
+                                        </p:cTn>
+                                        <p:tgtEl>
+                                          <p:spTgt spid="8"/>
+                                        </p:tgtEl>
+                                        <p:attrNameLst>
+                                          <p:attrName>style.visibility</p:attrName>
+                                        </p:attrNameLst>
+                                      </p:cBhvr>
+                                      <p:to>
+                                        <p:strVal val="visible"/>
+                                      </p:to>
+                                    </p:set>
+                                    <p:animEffect transition="in" filter="randombar(horizontal)">
+                                      <p:cBhvr>
+                                        <p:cTn id="14" dur="500"/>
+                                        <p:tgtEl>
+                                          <p:spTgt spid="8"/>
+                                        </p:tgtEl>
+                                      </p:cBhvr>
+                                    </p:animEffect>
+                                  </p:childTnLst>
+                                </p:cTn>
+                              </p:par>
+                              <p:par>
+                                <p:cTn id="15" presetID="14" presetClass="entr" presetSubtype="10" fill="hold" grpId="0" nodeType="withEffect">
+                                  <p:stCondLst>
+                                    <p:cond delay="0"/>
+                                  </p:stCondLst>
+                                  <p:childTnLst>
+                                    <p:set>
+                                      <p:cBhvr>
+                                        <p:cTn id="16" dur="1" fill="hold">
+                                          <p:stCondLst>
+                                            <p:cond delay="0"/>
+                                          </p:stCondLst>
+                                        </p:cTn>
+                                        <p:tgtEl>
+                                          <p:spTgt spid="9"/>
+                                        </p:tgtEl>
+                                        <p:attrNameLst>
+                                          <p:attrName>style.visibility</p:attrName>
+                                        </p:attrNameLst>
+                                      </p:cBhvr>
+                                      <p:to>
+                                        <p:strVal val="visible"/>
+                                      </p:to>
+                                    </p:set>
+                                    <p:animEffect transition="in" filter="randombar(horizontal)">
+                                      <p:cBhvr>
+                                        <p:cTn id="17" dur="500"/>
+                                        <p:tgtEl>
+                                          <p:spTgt spid="9"/>
+                                        </p:tgtEl>
+                                      </p:cBhvr>
+                                    </p:animEffect>
+                                  </p:childTnLst>
+                                </p:cTn>
+                              </p:par>
+                            </p:childTnLst>
+                          </p:cTn>
+                        </p:par>
+                      </p:childTnLst>
+                    </p:cTn>
+                  </p:par>
+                  <p:par>
+                    <p:cTn id="18" fill="hold">
+                      <p:stCondLst>
+                        <p:cond delay="indefinite"/>
+                      </p:stCondLst>
+                      <p:childTnLst>
+                        <p:par>
+                          <p:cTn id="19" fill="hold">
+                            <p:stCondLst>
+                              <p:cond delay="0"/>
+                            </p:stCondLst>
+                            <p:childTnLst>
+                              <p:par>
+                                <p:cTn id="20" presetID="22" presetClass="entr" presetSubtype="8" fill="hold" nodeType="clickEffect">
+                                  <p:stCondLst>
+                                    <p:cond delay="0"/>
+                                  </p:stCondLst>
+                                  <p:childTnLst>
+                                    <p:set>
+                                      <p:cBhvr>
+                                        <p:cTn id="21" dur="1" fill="hold">
+                                          <p:stCondLst>
+                                            <p:cond delay="0"/>
+                                          </p:stCondLst>
+                                        </p:cTn>
+                                        <p:tgtEl>
+                                          <p:spTgt spid="11"/>
+                                        </p:tgtEl>
+                                        <p:attrNameLst>
+                                          <p:attrName>style.visibility</p:attrName>
+                                        </p:attrNameLst>
+                                      </p:cBhvr>
+                                      <p:to>
+                                        <p:strVal val="visible"/>
+                                      </p:to>
+                                    </p:set>
+                                    <p:animEffect transition="in" filter="wipe(left)">
+                                      <p:cBhvr>
+                                        <p:cTn id="22" dur="500"/>
+                                        <p:tgtEl>
+                                          <p:spTgt spid="11"/>
+                                        </p:tgtEl>
+                                      </p:cBhvr>
+                                    </p:animEffect>
+                                  </p:childTnLst>
+                                </p:cTn>
+                              </p:par>
+                              <p:par>
+                                <p:cTn id="23" presetID="22" presetClass="entr" presetSubtype="8" fill="hold" grpId="0" nodeType="withEffect">
+                                  <p:stCondLst>
+                                    <p:cond delay="0"/>
+                                  </p:stCondLst>
+                                  <p:childTnLst>
+                                    <p:set>
+                                      <p:cBhvr>
+                                        <p:cTn id="24" dur="1" fill="hold">
+                                          <p:stCondLst>
+                                            <p:cond delay="0"/>
+                                          </p:stCondLst>
+                                        </p:cTn>
+                                        <p:tgtEl>
+                                          <p:spTgt spid="15"/>
+                                        </p:tgtEl>
+                                        <p:attrNameLst>
+                                          <p:attrName>style.visibility</p:attrName>
+                                        </p:attrNameLst>
+                                      </p:cBhvr>
+                                      <p:to>
+                                        <p:strVal val="visible"/>
+                                      </p:to>
+                                    </p:set>
+                                    <p:animEffect transition="in" filter="wipe(left)">
+                                      <p:cBhvr>
+                                        <p:cTn id="25" dur="500"/>
+                                        <p:tgtEl>
+                                          <p:spTgt spid="15"/>
+                                        </p:tgtEl>
+                                      </p:cBhvr>
+                                    </p:animEffect>
+                                  </p:childTnLst>
+                                </p:cTn>
+                              </p:par>
+                            </p:childTnLst>
+                          </p:cTn>
+                        </p:par>
+                        <p:par>
+                          <p:cTn id="26" fill="hold">
+                            <p:stCondLst>
+                              <p:cond delay="500"/>
+                            </p:stCondLst>
+                            <p:childTnLst>
+                              <p:par>
+                                <p:cTn id="27" presetID="22" presetClass="entr" presetSubtype="2" fill="hold" nodeType="afterEffect">
+                                  <p:stCondLst>
+                                    <p:cond delay="0"/>
+                                  </p:stCondLst>
+                                  <p:childTnLst>
+                                    <p:set>
+                                      <p:cBhvr>
+                                        <p:cTn id="28" dur="1" fill="hold">
+                                          <p:stCondLst>
+                                            <p:cond delay="0"/>
+                                          </p:stCondLst>
+                                        </p:cTn>
+                                        <p:tgtEl>
+                                          <p:spTgt spid="12"/>
+                                        </p:tgtEl>
+                                        <p:attrNameLst>
+                                          <p:attrName>style.visibility</p:attrName>
+                                        </p:attrNameLst>
+                                      </p:cBhvr>
+                                      <p:to>
+                                        <p:strVal val="visible"/>
+                                      </p:to>
+                                    </p:set>
+                                    <p:animEffect transition="in" filter="wipe(right)">
+                                      <p:cBhvr>
+                                        <p:cTn id="29" dur="500"/>
+                                        <p:tgtEl>
+                                          <p:spTgt spid="12"/>
+                                        </p:tgtEl>
+                                      </p:cBhvr>
+                                    </p:animEffect>
+                                  </p:childTnLst>
+                                </p:cTn>
+                              </p:par>
+                              <p:par>
+                                <p:cTn id="30" presetID="22" presetClass="entr" presetSubtype="2" fill="hold" grpId="0" nodeType="withEffect">
+                                  <p:stCondLst>
+                                    <p:cond delay="0"/>
+                                  </p:stCondLst>
+                                  <p:childTnLst>
+                                    <p:set>
+                                      <p:cBhvr>
+                                        <p:cTn id="31" dur="1" fill="hold">
+                                          <p:stCondLst>
+                                            <p:cond delay="0"/>
+                                          </p:stCondLst>
+                                        </p:cTn>
+                                        <p:tgtEl>
+                                          <p:spTgt spid="16"/>
+                                        </p:tgtEl>
+                                        <p:attrNameLst>
+                                          <p:attrName>style.visibility</p:attrName>
+                                        </p:attrNameLst>
+                                      </p:cBhvr>
+                                      <p:to>
+                                        <p:strVal val="visible"/>
+                                      </p:to>
+                                    </p:set>
+                                    <p:animEffect transition="in" filter="wipe(right)">
+                                      <p:cBhvr>
+                                        <p:cTn id="32" dur="500"/>
+                                        <p:tgtEl>
+                                          <p:spTgt spid="16"/>
+                                        </p:tgtEl>
+                                      </p:cBhvr>
+                                    </p:animEffect>
+                                  </p:childTnLst>
+                                </p:cTn>
+                              </p:par>
+                            </p:childTnLst>
+                          </p:cTn>
+                        </p:par>
+                      </p:childTnLst>
+                    </p:cTn>
+                  </p:par>
+                  <p:par>
+                    <p:cTn id="33" fill="hold">
+                      <p:stCondLst>
+                        <p:cond delay="indefinite"/>
+                      </p:stCondLst>
+                      <p:childTnLst>
+                        <p:par>
+                          <p:cTn id="34" fill="hold">
+                            <p:stCondLst>
+                              <p:cond delay="0"/>
+                            </p:stCondLst>
+                            <p:childTnLst>
+                              <p:par>
+                                <p:cTn id="35" presetID="23" presetClass="exit" presetSubtype="32" fill="hold" grpId="1" nodeType="clickEffect">
+                                  <p:stCondLst>
+                                    <p:cond delay="0"/>
+                                  </p:stCondLst>
+                                  <p:childTnLst>
+                                    <p:anim calcmode="lin" valueType="num">
+                                      <p:cBhvr>
+                                        <p:cTn id="36" dur="500"/>
+                                        <p:tgtEl>
+                                          <p:spTgt spid="4"/>
+                                        </p:tgtEl>
+                                        <p:attrNameLst>
+                                          <p:attrName>ppt_w</p:attrName>
+                                        </p:attrNameLst>
+                                      </p:cBhvr>
+                                      <p:tavLst>
+                                        <p:tav tm="0">
+                                          <p:val>
+                                            <p:strVal val="ppt_w"/>
+                                          </p:val>
+                                        </p:tav>
+                                        <p:tav tm="100000">
+                                          <p:val>
+                                            <p:fltVal val="0"/>
+                                          </p:val>
+                                        </p:tav>
+                                      </p:tavLst>
+                                    </p:anim>
+                                    <p:anim calcmode="lin" valueType="num">
+                                      <p:cBhvr>
+                                        <p:cTn id="37" dur="500"/>
+                                        <p:tgtEl>
+                                          <p:spTgt spid="4"/>
+                                        </p:tgtEl>
+                                        <p:attrNameLst>
+                                          <p:attrName>ppt_h</p:attrName>
+                                        </p:attrNameLst>
+                                      </p:cBhvr>
+                                      <p:tavLst>
+                                        <p:tav tm="0">
+                                          <p:val>
+                                            <p:strVal val="ppt_h"/>
+                                          </p:val>
+                                        </p:tav>
+                                        <p:tav tm="100000">
+                                          <p:val>
+                                            <p:fltVal val="0"/>
+                                          </p:val>
+                                        </p:tav>
+                                      </p:tavLst>
+                                    </p:anim>
+                                    <p:set>
+                                      <p:cBhvr>
+                                        <p:cTn id="38" dur="1" fill="hold">
+                                          <p:stCondLst>
+                                            <p:cond delay="499"/>
+                                          </p:stCondLst>
+                                        </p:cTn>
+                                        <p:tgtEl>
+                                          <p:spTgt spid="4"/>
+                                        </p:tgtEl>
+                                        <p:attrNameLst>
+                                          <p:attrName>style.visibility</p:attrName>
+                                        </p:attrNameLst>
+                                      </p:cBhvr>
+                                      <p:to>
+                                        <p:strVal val="hidden"/>
+                                      </p:to>
+                                    </p:set>
+                                  </p:childTnLst>
+                                </p:cTn>
+                              </p:par>
+                              <p:par>
+                                <p:cTn id="39" presetID="23" presetClass="exit" presetSubtype="32" fill="hold" grpId="1" nodeType="withEffect">
+                                  <p:stCondLst>
+                                    <p:cond delay="0"/>
+                                  </p:stCondLst>
+                                  <p:childTnLst>
+                                    <p:anim calcmode="lin" valueType="num">
+                                      <p:cBhvr>
+                                        <p:cTn id="40" dur="500"/>
+                                        <p:tgtEl>
+                                          <p:spTgt spid="7"/>
+                                        </p:tgtEl>
+                                        <p:attrNameLst>
+                                          <p:attrName>ppt_w</p:attrName>
+                                        </p:attrNameLst>
+                                      </p:cBhvr>
+                                      <p:tavLst>
+                                        <p:tav tm="0">
+                                          <p:val>
+                                            <p:strVal val="ppt_w"/>
+                                          </p:val>
+                                        </p:tav>
+                                        <p:tav tm="100000">
+                                          <p:val>
+                                            <p:fltVal val="0"/>
+                                          </p:val>
+                                        </p:tav>
+                                      </p:tavLst>
+                                    </p:anim>
+                                    <p:anim calcmode="lin" valueType="num">
+                                      <p:cBhvr>
+                                        <p:cTn id="41" dur="500"/>
+                                        <p:tgtEl>
+                                          <p:spTgt spid="7"/>
+                                        </p:tgtEl>
+                                        <p:attrNameLst>
+                                          <p:attrName>ppt_h</p:attrName>
+                                        </p:attrNameLst>
+                                      </p:cBhvr>
+                                      <p:tavLst>
+                                        <p:tav tm="0">
+                                          <p:val>
+                                            <p:strVal val="ppt_h"/>
+                                          </p:val>
+                                        </p:tav>
+                                        <p:tav tm="100000">
+                                          <p:val>
+                                            <p:fltVal val="0"/>
+                                          </p:val>
+                                        </p:tav>
+                                      </p:tavLst>
+                                    </p:anim>
+                                    <p:set>
+                                      <p:cBhvr>
+                                        <p:cTn id="42" dur="1" fill="hold">
+                                          <p:stCondLst>
+                                            <p:cond delay="499"/>
+                                          </p:stCondLst>
+                                        </p:cTn>
+                                        <p:tgtEl>
+                                          <p:spTgt spid="7"/>
+                                        </p:tgtEl>
+                                        <p:attrNameLst>
+                                          <p:attrName>style.visibility</p:attrName>
+                                        </p:attrNameLst>
+                                      </p:cBhvr>
+                                      <p:to>
+                                        <p:strVal val="hidden"/>
+                                      </p:to>
+                                    </p:set>
+                                  </p:childTnLst>
+                                </p:cTn>
+                              </p:par>
+                              <p:par>
+                                <p:cTn id="43" presetID="23" presetClass="exit" presetSubtype="32" fill="hold" grpId="1" nodeType="withEffect">
+                                  <p:stCondLst>
+                                    <p:cond delay="0"/>
+                                  </p:stCondLst>
+                                  <p:childTnLst>
+                                    <p:anim calcmode="lin" valueType="num">
+                                      <p:cBhvr>
+                                        <p:cTn id="44" dur="500"/>
+                                        <p:tgtEl>
+                                          <p:spTgt spid="8"/>
+                                        </p:tgtEl>
+                                        <p:attrNameLst>
+                                          <p:attrName>ppt_w</p:attrName>
+                                        </p:attrNameLst>
+                                      </p:cBhvr>
+                                      <p:tavLst>
+                                        <p:tav tm="0">
+                                          <p:val>
+                                            <p:strVal val="ppt_w"/>
+                                          </p:val>
+                                        </p:tav>
+                                        <p:tav tm="100000">
+                                          <p:val>
+                                            <p:fltVal val="0"/>
+                                          </p:val>
+                                        </p:tav>
+                                      </p:tavLst>
+                                    </p:anim>
+                                    <p:anim calcmode="lin" valueType="num">
+                                      <p:cBhvr>
+                                        <p:cTn id="45" dur="500"/>
+                                        <p:tgtEl>
+                                          <p:spTgt spid="8"/>
+                                        </p:tgtEl>
+                                        <p:attrNameLst>
+                                          <p:attrName>ppt_h</p:attrName>
+                                        </p:attrNameLst>
+                                      </p:cBhvr>
+                                      <p:tavLst>
+                                        <p:tav tm="0">
+                                          <p:val>
+                                            <p:strVal val="ppt_h"/>
+                                          </p:val>
+                                        </p:tav>
+                                        <p:tav tm="100000">
+                                          <p:val>
+                                            <p:fltVal val="0"/>
+                                          </p:val>
+                                        </p:tav>
+                                      </p:tavLst>
+                                    </p:anim>
+                                    <p:set>
+                                      <p:cBhvr>
+                                        <p:cTn id="46" dur="1" fill="hold">
+                                          <p:stCondLst>
+                                            <p:cond delay="499"/>
+                                          </p:stCondLst>
+                                        </p:cTn>
+                                        <p:tgtEl>
+                                          <p:spTgt spid="8"/>
+                                        </p:tgtEl>
+                                        <p:attrNameLst>
+                                          <p:attrName>style.visibility</p:attrName>
+                                        </p:attrNameLst>
+                                      </p:cBhvr>
+                                      <p:to>
+                                        <p:strVal val="hidden"/>
+                                      </p:to>
+                                    </p:set>
+                                  </p:childTnLst>
+                                </p:cTn>
+                              </p:par>
+                              <p:par>
+                                <p:cTn id="47" presetID="23" presetClass="exit" presetSubtype="32" fill="hold" grpId="1" nodeType="withEffect">
+                                  <p:stCondLst>
+                                    <p:cond delay="0"/>
+                                  </p:stCondLst>
+                                  <p:childTnLst>
+                                    <p:anim calcmode="lin" valueType="num">
+                                      <p:cBhvr>
+                                        <p:cTn id="48" dur="500"/>
+                                        <p:tgtEl>
+                                          <p:spTgt spid="9"/>
+                                        </p:tgtEl>
+                                        <p:attrNameLst>
+                                          <p:attrName>ppt_w</p:attrName>
+                                        </p:attrNameLst>
+                                      </p:cBhvr>
+                                      <p:tavLst>
+                                        <p:tav tm="0">
+                                          <p:val>
+                                            <p:strVal val="ppt_w"/>
+                                          </p:val>
+                                        </p:tav>
+                                        <p:tav tm="100000">
+                                          <p:val>
+                                            <p:fltVal val="0"/>
+                                          </p:val>
+                                        </p:tav>
+                                      </p:tavLst>
+                                    </p:anim>
+                                    <p:anim calcmode="lin" valueType="num">
+                                      <p:cBhvr>
+                                        <p:cTn id="49" dur="500"/>
+                                        <p:tgtEl>
+                                          <p:spTgt spid="9"/>
+                                        </p:tgtEl>
+                                        <p:attrNameLst>
+                                          <p:attrName>ppt_h</p:attrName>
+                                        </p:attrNameLst>
+                                      </p:cBhvr>
+                                      <p:tavLst>
+                                        <p:tav tm="0">
+                                          <p:val>
+                                            <p:strVal val="ppt_h"/>
+                                          </p:val>
+                                        </p:tav>
+                                        <p:tav tm="100000">
+                                          <p:val>
+                                            <p:fltVal val="0"/>
+                                          </p:val>
+                                        </p:tav>
+                                      </p:tavLst>
+                                    </p:anim>
+                                    <p:set>
+                                      <p:cBhvr>
+                                        <p:cTn id="50" dur="1" fill="hold">
+                                          <p:stCondLst>
+                                            <p:cond delay="499"/>
+                                          </p:stCondLst>
+                                        </p:cTn>
+                                        <p:tgtEl>
+                                          <p:spTgt spid="9"/>
+                                        </p:tgtEl>
+                                        <p:attrNameLst>
+                                          <p:attrName>style.visibility</p:attrName>
+                                        </p:attrNameLst>
+                                      </p:cBhvr>
+                                      <p:to>
+                                        <p:strVal val="hidden"/>
+                                      </p:to>
+                                    </p:set>
+                                  </p:childTnLst>
+                                </p:cTn>
+                              </p:par>
+                              <p:par>
+                                <p:cTn id="51" presetID="23" presetClass="exit" presetSubtype="32" fill="hold" nodeType="withEffect">
+                                  <p:stCondLst>
+                                    <p:cond delay="0"/>
+                                  </p:stCondLst>
+                                  <p:childTnLst>
+                                    <p:anim calcmode="lin" valueType="num">
+                                      <p:cBhvr>
+                                        <p:cTn id="52" dur="500"/>
+                                        <p:tgtEl>
+                                          <p:spTgt spid="11"/>
+                                        </p:tgtEl>
+                                        <p:attrNameLst>
+                                          <p:attrName>ppt_w</p:attrName>
+                                        </p:attrNameLst>
+                                      </p:cBhvr>
+                                      <p:tavLst>
+                                        <p:tav tm="0">
+                                          <p:val>
+                                            <p:strVal val="ppt_w"/>
+                                          </p:val>
+                                        </p:tav>
+                                        <p:tav tm="100000">
+                                          <p:val>
+                                            <p:fltVal val="0"/>
+                                          </p:val>
+                                        </p:tav>
+                                      </p:tavLst>
+                                    </p:anim>
+                                    <p:anim calcmode="lin" valueType="num">
+                                      <p:cBhvr>
+                                        <p:cTn id="53" dur="500"/>
+                                        <p:tgtEl>
+                                          <p:spTgt spid="11"/>
+                                        </p:tgtEl>
+                                        <p:attrNameLst>
+                                          <p:attrName>ppt_h</p:attrName>
+                                        </p:attrNameLst>
+                                      </p:cBhvr>
+                                      <p:tavLst>
+                                        <p:tav tm="0">
+                                          <p:val>
+                                            <p:strVal val="ppt_h"/>
+                                          </p:val>
+                                        </p:tav>
+                                        <p:tav tm="100000">
+                                          <p:val>
+                                            <p:fltVal val="0"/>
+                                          </p:val>
+                                        </p:tav>
+                                      </p:tavLst>
+                                    </p:anim>
+                                    <p:set>
+                                      <p:cBhvr>
+                                        <p:cTn id="54" dur="1" fill="hold">
+                                          <p:stCondLst>
+                                            <p:cond delay="499"/>
+                                          </p:stCondLst>
+                                        </p:cTn>
+                                        <p:tgtEl>
+                                          <p:spTgt spid="11"/>
+                                        </p:tgtEl>
+                                        <p:attrNameLst>
+                                          <p:attrName>style.visibility</p:attrName>
+                                        </p:attrNameLst>
+                                      </p:cBhvr>
+                                      <p:to>
+                                        <p:strVal val="hidden"/>
+                                      </p:to>
+                                    </p:set>
+                                  </p:childTnLst>
+                                </p:cTn>
+                              </p:par>
+                              <p:par>
+                                <p:cTn id="55" presetID="23" presetClass="exit" presetSubtype="32" fill="hold" grpId="1" nodeType="withEffect">
+                                  <p:stCondLst>
+                                    <p:cond delay="0"/>
+                                  </p:stCondLst>
+                                  <p:childTnLst>
+                                    <p:anim calcmode="lin" valueType="num">
+                                      <p:cBhvr>
+                                        <p:cTn id="56" dur="500"/>
+                                        <p:tgtEl>
+                                          <p:spTgt spid="15"/>
+                                        </p:tgtEl>
+                                        <p:attrNameLst>
+                                          <p:attrName>ppt_w</p:attrName>
+                                        </p:attrNameLst>
+                                      </p:cBhvr>
+                                      <p:tavLst>
+                                        <p:tav tm="0">
+                                          <p:val>
+                                            <p:strVal val="ppt_w"/>
+                                          </p:val>
+                                        </p:tav>
+                                        <p:tav tm="100000">
+                                          <p:val>
+                                            <p:fltVal val="0"/>
+                                          </p:val>
+                                        </p:tav>
+                                      </p:tavLst>
+                                    </p:anim>
+                                    <p:anim calcmode="lin" valueType="num">
+                                      <p:cBhvr>
+                                        <p:cTn id="57" dur="500"/>
+                                        <p:tgtEl>
+                                          <p:spTgt spid="15"/>
+                                        </p:tgtEl>
+                                        <p:attrNameLst>
+                                          <p:attrName>ppt_h</p:attrName>
+                                        </p:attrNameLst>
+                                      </p:cBhvr>
+                                      <p:tavLst>
+                                        <p:tav tm="0">
+                                          <p:val>
+                                            <p:strVal val="ppt_h"/>
+                                          </p:val>
+                                        </p:tav>
+                                        <p:tav tm="100000">
+                                          <p:val>
+                                            <p:fltVal val="0"/>
+                                          </p:val>
+                                        </p:tav>
+                                      </p:tavLst>
+                                    </p:anim>
+                                    <p:set>
+                                      <p:cBhvr>
+                                        <p:cTn id="58" dur="1" fill="hold">
+                                          <p:stCondLst>
+                                            <p:cond delay="499"/>
+                                          </p:stCondLst>
+                                        </p:cTn>
+                                        <p:tgtEl>
+                                          <p:spTgt spid="15"/>
+                                        </p:tgtEl>
+                                        <p:attrNameLst>
+                                          <p:attrName>style.visibility</p:attrName>
+                                        </p:attrNameLst>
+                                      </p:cBhvr>
+                                      <p:to>
+                                        <p:strVal val="hidden"/>
+                                      </p:to>
+                                    </p:set>
+                                  </p:childTnLst>
+                                </p:cTn>
+                              </p:par>
+                              <p:par>
+                                <p:cTn id="59" presetID="23" presetClass="exit" presetSubtype="32" fill="hold" nodeType="withEffect">
+                                  <p:stCondLst>
+                                    <p:cond delay="0"/>
+                                  </p:stCondLst>
+                                  <p:childTnLst>
+                                    <p:anim calcmode="lin" valueType="num">
+                                      <p:cBhvr>
+                                        <p:cTn id="60" dur="500"/>
+                                        <p:tgtEl>
+                                          <p:spTgt spid="12"/>
+                                        </p:tgtEl>
+                                        <p:attrNameLst>
+                                          <p:attrName>ppt_w</p:attrName>
+                                        </p:attrNameLst>
+                                      </p:cBhvr>
+                                      <p:tavLst>
+                                        <p:tav tm="0">
+                                          <p:val>
+                                            <p:strVal val="ppt_w"/>
+                                          </p:val>
+                                        </p:tav>
+                                        <p:tav tm="100000">
+                                          <p:val>
+                                            <p:fltVal val="0"/>
+                                          </p:val>
+                                        </p:tav>
+                                      </p:tavLst>
+                                    </p:anim>
+                                    <p:anim calcmode="lin" valueType="num">
+                                      <p:cBhvr>
+                                        <p:cTn id="61" dur="500"/>
+                                        <p:tgtEl>
+                                          <p:spTgt spid="12"/>
+                                        </p:tgtEl>
+                                        <p:attrNameLst>
+                                          <p:attrName>ppt_h</p:attrName>
+                                        </p:attrNameLst>
+                                      </p:cBhvr>
+                                      <p:tavLst>
+                                        <p:tav tm="0">
+                                          <p:val>
+                                            <p:strVal val="ppt_h"/>
+                                          </p:val>
+                                        </p:tav>
+                                        <p:tav tm="100000">
+                                          <p:val>
+                                            <p:fltVal val="0"/>
+                                          </p:val>
+                                        </p:tav>
+                                      </p:tavLst>
+                                    </p:anim>
+                                    <p:set>
+                                      <p:cBhvr>
+                                        <p:cTn id="62" dur="1" fill="hold">
+                                          <p:stCondLst>
+                                            <p:cond delay="499"/>
+                                          </p:stCondLst>
+                                        </p:cTn>
+                                        <p:tgtEl>
+                                          <p:spTgt spid="12"/>
+                                        </p:tgtEl>
+                                        <p:attrNameLst>
+                                          <p:attrName>style.visibility</p:attrName>
+                                        </p:attrNameLst>
+                                      </p:cBhvr>
+                                      <p:to>
+                                        <p:strVal val="hidden"/>
+                                      </p:to>
+                                    </p:set>
+                                  </p:childTnLst>
+                                </p:cTn>
+                              </p:par>
+                              <p:par>
+                                <p:cTn id="63" presetID="23" presetClass="exit" presetSubtype="32" fill="hold" grpId="1" nodeType="withEffect">
+                                  <p:stCondLst>
+                                    <p:cond delay="0"/>
+                                  </p:stCondLst>
+                                  <p:childTnLst>
+                                    <p:anim calcmode="lin" valueType="num">
+                                      <p:cBhvr>
+                                        <p:cTn id="64" dur="500"/>
+                                        <p:tgtEl>
+                                          <p:spTgt spid="16"/>
+                                        </p:tgtEl>
+                                        <p:attrNameLst>
+                                          <p:attrName>ppt_w</p:attrName>
+                                        </p:attrNameLst>
+                                      </p:cBhvr>
+                                      <p:tavLst>
+                                        <p:tav tm="0">
+                                          <p:val>
+                                            <p:strVal val="ppt_w"/>
+                                          </p:val>
+                                        </p:tav>
+                                        <p:tav tm="100000">
+                                          <p:val>
+                                            <p:fltVal val="0"/>
+                                          </p:val>
+                                        </p:tav>
+                                      </p:tavLst>
+                                    </p:anim>
+                                    <p:anim calcmode="lin" valueType="num">
+                                      <p:cBhvr>
+                                        <p:cTn id="65" dur="500"/>
+                                        <p:tgtEl>
+                                          <p:spTgt spid="16"/>
+                                        </p:tgtEl>
+                                        <p:attrNameLst>
+                                          <p:attrName>ppt_h</p:attrName>
+                                        </p:attrNameLst>
+                                      </p:cBhvr>
+                                      <p:tavLst>
+                                        <p:tav tm="0">
+                                          <p:val>
+                                            <p:strVal val="ppt_h"/>
+                                          </p:val>
+                                        </p:tav>
+                                        <p:tav tm="100000">
+                                          <p:val>
+                                            <p:fltVal val="0"/>
+                                          </p:val>
+                                        </p:tav>
+                                      </p:tavLst>
+                                    </p:anim>
+                                    <p:set>
+                                      <p:cBhvr>
+                                        <p:cTn id="66" dur="1" fill="hold">
+                                          <p:stCondLst>
+                                            <p:cond delay="499"/>
+                                          </p:stCondLst>
+                                        </p:cTn>
+                                        <p:tgtEl>
+                                          <p:spTgt spid="16"/>
+                                        </p:tgtEl>
+                                        <p:attrNameLst>
+                                          <p:attrName>style.visibility</p:attrName>
+                                        </p:attrNameLst>
+                                      </p:cBhvr>
+                                      <p:to>
+                                        <p:strVal val="hidden"/>
+                                      </p:to>
+                                    </p:set>
+                                  </p:childTnLst>
+                                </p:cTn>
+                              </p:par>
+                            </p:childTnLst>
+                          </p:cTn>
+                        </p:par>
+                      </p:childTnLst>
+                    </p:cTn>
+                  </p:par>
+                  <p:par>
+                    <p:cTn id="67" fill="hold">
+                      <p:stCondLst>
+                        <p:cond delay="indefinite"/>
+                      </p:stCondLst>
+                      <p:childTnLst>
+                        <p:par>
+                          <p:cTn id="68" fill="hold">
+                            <p:stCondLst>
+                              <p:cond delay="0"/>
+                            </p:stCondLst>
+                            <p:childTnLst>
+                              <p:par>
+                                <p:cTn id="69" presetID="53" presetClass="entr" presetSubtype="16" fill="hold" nodeType="clickEffect">
+                                  <p:stCondLst>
+                                    <p:cond delay="0"/>
+                                  </p:stCondLst>
+                                  <p:childTnLst>
+                                    <p:set>
+                                      <p:cBhvr>
+                                        <p:cTn id="70" dur="1" fill="hold">
+                                          <p:stCondLst>
+                                            <p:cond delay="0"/>
+                                          </p:stCondLst>
+                                        </p:cTn>
+                                        <p:tgtEl>
+                                          <p:spTgt spid="22"/>
+                                        </p:tgtEl>
+                                        <p:attrNameLst>
+                                          <p:attrName>style.visibility</p:attrName>
+                                        </p:attrNameLst>
+                                      </p:cBhvr>
+                                      <p:to>
+                                        <p:strVal val="visible"/>
+                                      </p:to>
+                                    </p:set>
+                                    <p:anim calcmode="lin" valueType="num">
+                                      <p:cBhvr>
+                                        <p:cTn id="71" dur="500" fill="hold"/>
+                                        <p:tgtEl>
+                                          <p:spTgt spid="22"/>
+                                        </p:tgtEl>
+                                        <p:attrNameLst>
+                                          <p:attrName>ppt_w</p:attrName>
+                                        </p:attrNameLst>
+                                      </p:cBhvr>
+                                      <p:tavLst>
+                                        <p:tav tm="0">
+                                          <p:val>
+                                            <p:fltVal val="0"/>
+                                          </p:val>
+                                        </p:tav>
+                                        <p:tav tm="100000">
+                                          <p:val>
+                                            <p:strVal val="#ppt_w"/>
+                                          </p:val>
+                                        </p:tav>
+                                      </p:tavLst>
+                                    </p:anim>
+                                    <p:anim calcmode="lin" valueType="num">
+                                      <p:cBhvr>
+                                        <p:cTn id="72" dur="500" fill="hold"/>
+                                        <p:tgtEl>
+                                          <p:spTgt spid="22"/>
+                                        </p:tgtEl>
+                                        <p:attrNameLst>
+                                          <p:attrName>ppt_h</p:attrName>
+                                        </p:attrNameLst>
+                                      </p:cBhvr>
+                                      <p:tavLst>
+                                        <p:tav tm="0">
+                                          <p:val>
+                                            <p:fltVal val="0"/>
+                                          </p:val>
+                                        </p:tav>
+                                        <p:tav tm="100000">
+                                          <p:val>
+                                            <p:strVal val="#ppt_h"/>
+                                          </p:val>
+                                        </p:tav>
+                                      </p:tavLst>
+                                    </p:anim>
+                                    <p:animEffect transition="in" filter="fade">
+                                      <p:cBhvr>
+                                        <p:cTn id="73" dur="500"/>
+                                        <p:tgtEl>
+                                          <p:spTgt spid="22"/>
+                                        </p:tgtEl>
+                                      </p:cBhvr>
+                                    </p:animEffect>
+                                  </p:childTnLst>
+                                </p:cTn>
+                              </p:par>
+                              <p:par>
+                                <p:cTn id="74" presetID="53" presetClass="entr" presetSubtype="16" fill="hold" nodeType="withEffect">
+                                  <p:stCondLst>
+                                    <p:cond delay="0"/>
+                                  </p:stCondLst>
+                                  <p:childTnLst>
+                                    <p:set>
+                                      <p:cBhvr>
+                                        <p:cTn id="75" dur="1" fill="hold">
+                                          <p:stCondLst>
+                                            <p:cond delay="0"/>
+                                          </p:stCondLst>
+                                        </p:cTn>
+                                        <p:tgtEl>
+                                          <p:spTgt spid="23"/>
+                                        </p:tgtEl>
+                                        <p:attrNameLst>
+                                          <p:attrName>style.visibility</p:attrName>
+                                        </p:attrNameLst>
+                                      </p:cBhvr>
+                                      <p:to>
+                                        <p:strVal val="visible"/>
+                                      </p:to>
+                                    </p:set>
+                                    <p:anim calcmode="lin" valueType="num">
+                                      <p:cBhvr>
+                                        <p:cTn id="76" dur="500" fill="hold"/>
+                                        <p:tgtEl>
+                                          <p:spTgt spid="23"/>
+                                        </p:tgtEl>
+                                        <p:attrNameLst>
+                                          <p:attrName>ppt_w</p:attrName>
+                                        </p:attrNameLst>
+                                      </p:cBhvr>
+                                      <p:tavLst>
+                                        <p:tav tm="0">
+                                          <p:val>
+                                            <p:fltVal val="0"/>
+                                          </p:val>
+                                        </p:tav>
+                                        <p:tav tm="100000">
+                                          <p:val>
+                                            <p:strVal val="#ppt_w"/>
+                                          </p:val>
+                                        </p:tav>
+                                      </p:tavLst>
+                                    </p:anim>
+                                    <p:anim calcmode="lin" valueType="num">
+                                      <p:cBhvr>
+                                        <p:cTn id="77" dur="500" fill="hold"/>
+                                        <p:tgtEl>
+                                          <p:spTgt spid="23"/>
+                                        </p:tgtEl>
+                                        <p:attrNameLst>
+                                          <p:attrName>ppt_h</p:attrName>
+                                        </p:attrNameLst>
+                                      </p:cBhvr>
+                                      <p:tavLst>
+                                        <p:tav tm="0">
+                                          <p:val>
+                                            <p:fltVal val="0"/>
+                                          </p:val>
+                                        </p:tav>
+                                        <p:tav tm="100000">
+                                          <p:val>
+                                            <p:strVal val="#ppt_h"/>
+                                          </p:val>
+                                        </p:tav>
+                                      </p:tavLst>
+                                    </p:anim>
+                                    <p:animEffect transition="in" filter="fade">
+                                      <p:cBhvr>
+                                        <p:cTn id="78" dur="500"/>
+                                        <p:tgtEl>
+                                          <p:spTgt spid="23"/>
+                                        </p:tgtEl>
+                                      </p:cBhvr>
+                                    </p:animEffect>
+                                  </p:childTnLst>
+                                </p:cTn>
+                              </p:par>
+                            </p:childTnLst>
+                          </p:cTn>
+                        </p:par>
+                      </p:childTnLst>
+                    </p:cTn>
+                  </p:par>
+                </p:childTnLst>
+              </p:cTn>
+              <p:prevCondLst>
+                <p:cond evt="onPrev" delay="0">
+                  <p:tgtEl>
+                    <p:sldTgt/>
+                  </p:tgtEl>
+                </p:cond>
+              </p:prevCondLst>
+              <p:nextCondLst>
+                <p:cond evt="onNext" delay="0">
+                  <p:tgtEl>
+                    <p:sldTgt/>
+                  </p:tgtEl>
+                </p:cond>
+              </p:nextCondLst>
+            </p:seq>
+          </p:childTnLst>
+        </p:cTn>
+      </p:par>
+    </p:tnLst>
+    <p:bldLst>
+      <p:bldP spid="4" grpId="0" animBg="1"/>
+      <p:bldP spid="4" grpId="1" animBg="1"/>
+      <p:bldP spid="7" grpId="0" animBg="1"/>
+      <p:bldP spid="7" grpId="1" animBg="1"/>
+      <p:bldP spid="8" grpId="0" animBg="1"/>
+      <p:bldP spid="8" grpId="1" animBg="1"/>
+      <p:bldP spid="9" grpId="0"/>
+      <p:bldP spid="9" grpId="1"/>
+      <p:bldP spid="15" grpId="0"/>
+      <p:bldP spid="15" grpId="1"/>
+      <p:bldP spid="16" grpId="0"/>
+      <p:bldP spid="16" grpId="1"/>
+    </p:bldLst>
+  </p:timing>
 </p:sld>
 </file>
 
@@ -5919,7 +8422,7 @@
           <a:p>
             <a:r>
               <a:rPr lang="en-US" smtClean="0"/>
-              <a:t>So sánh với mutex</a:t>
+              <a:t>Nguyên tắc giải quyết tranh chấp</a:t>
             </a:r>
             <a:endParaRPr lang="en-US"/>
           </a:p>
@@ -5937,23 +8440,111 @@
         </p:nvSpPr>
         <p:spPr/>
         <p:txBody>
-          <a:bodyPr/>
+          <a:bodyPr>
+            <a:normAutofit/>
+          </a:bodyPr>
           <a:lstStyle/>
           <a:p>
-            <a:endParaRPr lang="en-US"/>
+            <a:pPr marL="228600" indent="-228600">
+              <a:buFont typeface="Arial" panose="020B0604020202020204" pitchFamily="34" charset="0"/>
+              <a:buChar char="•"/>
+            </a:pPr>
+            <a:r>
+              <a:rPr lang="en-US" sz="2400">
+                <a:solidFill>
+                  <a:schemeClr val="tx1"/>
+                </a:solidFill>
+                <a:latin typeface="Times New Roman" panose="02020603050405020304" pitchFamily="18" charset="0"/>
+                <a:cs typeface="Times New Roman" panose="02020603050405020304" pitchFamily="18" charset="0"/>
+              </a:rPr>
+              <a:t>Chia nhỏ các lệnh thì chia nhỏ cho đến khi không thể chia nhỏ được nữa.</a:t>
+            </a:r>
+          </a:p>
+          <a:p>
+            <a:pPr marL="228600" indent="-228600">
+              <a:buFont typeface="Arial" panose="020B0604020202020204" pitchFamily="34" charset="0"/>
+              <a:buChar char="•"/>
+            </a:pPr>
+            <a:r>
+              <a:rPr lang="en-US" sz="2400">
+                <a:solidFill>
+                  <a:schemeClr val="tx1"/>
+                </a:solidFill>
+                <a:latin typeface="Times New Roman" panose="02020603050405020304" pitchFamily="18" charset="0"/>
+                <a:cs typeface="Times New Roman" panose="02020603050405020304" pitchFamily="18" charset="0"/>
+              </a:rPr>
+              <a:t>Có thể chuyển các tiến trình động thời đồng bộ về tiến trình đồng thời bất đồng bộ.</a:t>
+            </a:r>
+          </a:p>
+          <a:p>
+            <a:pPr marL="228600" indent="-228600">
+              <a:buFont typeface="Arial" panose="020B0604020202020204" pitchFamily="34" charset="0"/>
+              <a:buChar char="•"/>
+            </a:pPr>
+            <a:r>
+              <a:rPr lang="en-US" sz="2400">
+                <a:solidFill>
+                  <a:schemeClr val="tx1"/>
+                </a:solidFill>
+                <a:latin typeface="Times New Roman" panose="02020603050405020304" pitchFamily="18" charset="0"/>
+                <a:cs typeface="Times New Roman" panose="02020603050405020304" pitchFamily="18" charset="0"/>
+              </a:rPr>
+              <a:t>Tiến trình ngoài vùng tranh chấp không có quyền cấm các tiến trình khác vào vùng tranh chấp.</a:t>
+            </a:r>
+          </a:p>
+          <a:p>
+            <a:pPr marL="228600" indent="-228600">
+              <a:buFont typeface="Arial" panose="020B0604020202020204" pitchFamily="34" charset="0"/>
+              <a:buChar char="•"/>
+            </a:pPr>
+            <a:r>
+              <a:rPr lang="en-US" sz="2400">
+                <a:solidFill>
+                  <a:schemeClr val="tx1"/>
+                </a:solidFill>
+                <a:latin typeface="Times New Roman" panose="02020603050405020304" pitchFamily="18" charset="0"/>
+                <a:cs typeface="Times New Roman" panose="02020603050405020304" pitchFamily="18" charset="0"/>
+              </a:rPr>
+              <a:t>Tiến trình không được trì hoãn vô hạn định khi vào vùng tranh chấp.</a:t>
+            </a:r>
+          </a:p>
+          <a:p>
+            <a:pPr>
+              <a:buFont typeface="Arial" panose="020B0604020202020204" pitchFamily="34" charset="0"/>
+              <a:buChar char="•"/>
+            </a:pPr>
+            <a:endParaRPr lang="en-US" sz="2400">
+              <a:solidFill>
+                <a:schemeClr val="tx1"/>
+              </a:solidFill>
+              <a:latin typeface="Times New Roman" panose="02020603050405020304" pitchFamily="18" charset="0"/>
+              <a:cs typeface="Times New Roman" panose="02020603050405020304" pitchFamily="18" charset="0"/>
+            </a:endParaRPr>
           </a:p>
         </p:txBody>
       </p:sp>
     </p:spTree>
     <p:extLst>
       <p:ext uri="{BB962C8B-B14F-4D97-AF65-F5344CB8AC3E}">
-        <p14:creationId xmlns:p14="http://schemas.microsoft.com/office/powerpoint/2010/main" val="2955444664"/>
+        <p14:creationId xmlns:p14="http://schemas.microsoft.com/office/powerpoint/2010/main" val="2898689525"/>
       </p:ext>
     </p:extLst>
   </p:cSld>
   <p:clrMapOvr>
     <a:masterClrMapping/>
   </p:clrMapOvr>
+  <mc:AlternateContent xmlns:mc="http://schemas.openxmlformats.org/markup-compatibility/2006">
+    <mc:Choice xmlns:p15="http://schemas.microsoft.com/office/powerpoint/2012/main" Requires="p15">
+      <p:transition xmlns:p14="http://schemas.microsoft.com/office/powerpoint/2010/main" spd="slow" p14:dur="1250">
+        <p15:prstTrans prst="peelOff"/>
+      </p:transition>
+    </mc:Choice>
+    <mc:Fallback>
+      <p:transition spd="slow">
+        <p:fade/>
+      </p:transition>
+    </mc:Fallback>
+  </mc:AlternateContent>
   <p:timing>
     <p:tnLst>
       <p:par>
@@ -5998,6 +8589,616 @@
           <a:p>
             <a:r>
               <a:rPr lang="en-US" smtClean="0"/>
+              <a:t>So sánh với mutex</a:t>
+            </a:r>
+            <a:endParaRPr lang="en-US"/>
+          </a:p>
+        </p:txBody>
+      </p:sp>
+      <p:sp>
+        <p:nvSpPr>
+          <p:cNvPr id="5" name="Content Placeholder 4"/>
+          <p:cNvSpPr>
+            <a:spLocks noGrp="1"/>
+          </p:cNvSpPr>
+          <p:nvPr>
+            <p:ph idx="1"/>
+          </p:nvPr>
+        </p:nvSpPr>
+        <p:spPr/>
+        <p:txBody>
+          <a:bodyPr>
+            <a:normAutofit/>
+          </a:bodyPr>
+          <a:lstStyle/>
+          <a:p>
+            <a:pPr marL="236538" indent="-236538" algn="just">
+              <a:buFont typeface="Arial" panose="020B0604020202020204" pitchFamily="34" charset="0"/>
+              <a:buChar char="•"/>
+            </a:pPr>
+            <a:r>
+              <a:rPr lang="vi-VN" sz="2400">
+                <a:solidFill>
+                  <a:schemeClr val="tx1"/>
+                </a:solidFill>
+                <a:latin typeface="+mj-lt"/>
+              </a:rPr>
+              <a:t>Mutex là cơ chế khóa </a:t>
+            </a:r>
+            <a:r>
+              <a:rPr lang="vi-VN" sz="2400" smtClean="0">
+                <a:solidFill>
+                  <a:schemeClr val="tx1"/>
+                </a:solidFill>
+                <a:latin typeface="+mj-lt"/>
+              </a:rPr>
+              <a:t>trong khi Semaphore là cơ chế báo hiệu</a:t>
+            </a:r>
+            <a:endParaRPr lang="en-US" sz="2400" smtClean="0">
+              <a:solidFill>
+                <a:schemeClr val="tx1"/>
+              </a:solidFill>
+              <a:latin typeface="+mj-lt"/>
+            </a:endParaRPr>
+          </a:p>
+          <a:p>
+            <a:pPr marL="236538" indent="-236538" algn="just">
+              <a:buFont typeface="Arial" panose="020B0604020202020204" pitchFamily="34" charset="0"/>
+              <a:buChar char="•"/>
+            </a:pPr>
+            <a:r>
+              <a:rPr lang="vi-VN" sz="2400" smtClean="0">
+                <a:solidFill>
+                  <a:schemeClr val="tx1"/>
+                </a:solidFill>
+                <a:latin typeface="+mj-lt"/>
+              </a:rPr>
+              <a:t>Mutex chỉ là một đối tượng trong khi Semaphore là một số nguyên</a:t>
+            </a:r>
+            <a:endParaRPr lang="en-US" sz="2400" smtClean="0">
+              <a:solidFill>
+                <a:schemeClr val="tx1"/>
+              </a:solidFill>
+              <a:latin typeface="+mj-lt"/>
+            </a:endParaRPr>
+          </a:p>
+          <a:p>
+            <a:pPr marL="236538" indent="-236538" algn="just">
+              <a:buFont typeface="Arial" panose="020B0604020202020204" pitchFamily="34" charset="0"/>
+              <a:buChar char="•"/>
+            </a:pPr>
+            <a:r>
+              <a:rPr lang="vi-VN" sz="2400" smtClean="0">
+                <a:solidFill>
+                  <a:schemeClr val="tx1"/>
+                </a:solidFill>
+                <a:latin typeface="+mj-lt"/>
+              </a:rPr>
+              <a:t>Mutex không có kiểu con trong</a:t>
+            </a:r>
+            <a:r>
+              <a:rPr lang="vi-VN" sz="2400">
+                <a:solidFill>
+                  <a:schemeClr val="tx1"/>
+                </a:solidFill>
+                <a:latin typeface="+mj-lt"/>
+              </a:rPr>
+              <a:t> khi Semaphore có hai kiểu, đó là </a:t>
+            </a:r>
+            <a:r>
+              <a:rPr lang="en-US" sz="2400">
+                <a:solidFill>
+                  <a:schemeClr val="tx1"/>
+                </a:solidFill>
+                <a:latin typeface="+mj-lt"/>
+              </a:rPr>
+              <a:t>counting</a:t>
+            </a:r>
+            <a:r>
+              <a:rPr lang="vi-VN" sz="2400">
+                <a:solidFill>
+                  <a:schemeClr val="tx1"/>
+                </a:solidFill>
+                <a:latin typeface="+mj-lt"/>
+              </a:rPr>
+              <a:t> semaphore và </a:t>
+            </a:r>
+            <a:r>
+              <a:rPr lang="en-US" sz="2400">
+                <a:solidFill>
+                  <a:schemeClr val="tx1"/>
+                </a:solidFill>
+                <a:latin typeface="+mj-lt"/>
+              </a:rPr>
+              <a:t>binary </a:t>
+            </a:r>
+            <a:r>
+              <a:rPr lang="vi-VN" sz="2400" smtClean="0">
+                <a:solidFill>
+                  <a:schemeClr val="tx1"/>
+                </a:solidFill>
+                <a:latin typeface="+mj-lt"/>
+              </a:rPr>
+              <a:t>semaphore.</a:t>
+            </a:r>
+            <a:endParaRPr lang="en-US" sz="2400" smtClean="0">
+              <a:solidFill>
+                <a:schemeClr val="tx1"/>
+              </a:solidFill>
+              <a:latin typeface="+mj-lt"/>
+            </a:endParaRPr>
+          </a:p>
+          <a:p>
+            <a:pPr marL="236538" indent="-236538" algn="just">
+              <a:buFont typeface="Arial" panose="020B0604020202020204" pitchFamily="34" charset="0"/>
+              <a:buChar char="•"/>
+            </a:pPr>
+            <a:r>
+              <a:rPr lang="vi-VN" sz="2400" smtClean="0">
+                <a:solidFill>
+                  <a:schemeClr val="tx1"/>
+                </a:solidFill>
+                <a:latin typeface="+mj-lt"/>
+              </a:rPr>
+              <a:t>Semaphore hỗ trợ sửa đổi hoạt động chờ và báo hiệu, trong khi Mutex chỉ được sửa đổi bởi quy trình có thể yêu cầu hoặc giải phóng tài nguyên.</a:t>
+            </a:r>
+            <a:endParaRPr lang="en-US" sz="2400" smtClean="0">
+              <a:solidFill>
+                <a:schemeClr val="tx1"/>
+              </a:solidFill>
+              <a:latin typeface="+mj-lt"/>
+            </a:endParaRPr>
+          </a:p>
+          <a:p>
+            <a:pPr marL="236538" indent="-236538" algn="just">
+              <a:buFont typeface="Arial" panose="020B0604020202020204" pitchFamily="34" charset="0"/>
+              <a:buChar char="•"/>
+            </a:pPr>
+            <a:r>
+              <a:rPr lang="vi-VN" sz="2400" smtClean="0">
+                <a:solidFill>
+                  <a:schemeClr val="tx1"/>
+                </a:solidFill>
+                <a:latin typeface="+mj-lt"/>
+              </a:rPr>
+              <a:t>Giá </a:t>
+            </a:r>
+            <a:r>
+              <a:rPr lang="vi-VN" sz="2400">
+                <a:solidFill>
+                  <a:schemeClr val="tx1"/>
+                </a:solidFill>
+                <a:latin typeface="+mj-lt"/>
+              </a:rPr>
+              <a:t>trị Semaphore được sửa đổi bằng cách sử dụng các hoạt động </a:t>
+            </a:r>
+            <a:r>
+              <a:rPr lang="vi-VN" sz="2400" smtClean="0">
+                <a:solidFill>
+                  <a:schemeClr val="tx1"/>
+                </a:solidFill>
+                <a:latin typeface="+mj-lt"/>
+              </a:rPr>
+              <a:t>wait() </a:t>
+            </a:r>
+            <a:r>
+              <a:rPr lang="vi-VN" sz="2400">
+                <a:solidFill>
+                  <a:schemeClr val="tx1"/>
+                </a:solidFill>
+                <a:latin typeface="+mj-lt"/>
+              </a:rPr>
+              <a:t>và </a:t>
+            </a:r>
+            <a:r>
+              <a:rPr lang="vi-VN" sz="2400" smtClean="0">
+                <a:solidFill>
+                  <a:schemeClr val="tx1"/>
+                </a:solidFill>
+                <a:latin typeface="+mj-lt"/>
+              </a:rPr>
+              <a:t>signal(), </a:t>
+            </a:r>
+            <a:r>
+              <a:rPr lang="vi-VN" sz="2400">
+                <a:solidFill>
+                  <a:schemeClr val="tx1"/>
+                </a:solidFill>
+                <a:latin typeface="+mj-lt"/>
+              </a:rPr>
+              <a:t>mặt khác, các hoạt động Mutex bị khóa hoặc mở khóa.</a:t>
+            </a:r>
+          </a:p>
+        </p:txBody>
+      </p:sp>
+    </p:spTree>
+    <p:extLst>
+      <p:ext uri="{BB962C8B-B14F-4D97-AF65-F5344CB8AC3E}">
+        <p14:creationId xmlns:p14="http://schemas.microsoft.com/office/powerpoint/2010/main" val="2955444664"/>
+      </p:ext>
+    </p:extLst>
+  </p:cSld>
+  <p:clrMapOvr>
+    <a:masterClrMapping/>
+  </p:clrMapOvr>
+  <p:transition spd="slow">
+    <p:randomBar dir="vert"/>
+  </p:transition>
+  <p:timing>
+    <p:tnLst>
+      <p:par>
+        <p:cTn id="1" dur="indefinite" restart="never" nodeType="tmRoot">
+          <p:childTnLst>
+            <p:seq concurrent="1" nextAc="seek">
+              <p:cTn id="2" dur="indefinite" nodeType="mainSeq">
+                <p:childTnLst>
+                  <p:par>
+                    <p:cTn id="3" fill="hold">
+                      <p:stCondLst>
+                        <p:cond delay="indefinite"/>
+                      </p:stCondLst>
+                      <p:childTnLst>
+                        <p:par>
+                          <p:cTn id="4" fill="hold">
+                            <p:stCondLst>
+                              <p:cond delay="0"/>
+                            </p:stCondLst>
+                            <p:childTnLst>
+                              <p:par>
+                                <p:cTn id="5" presetID="22" presetClass="entr" presetSubtype="8" fill="hold" grpId="0" nodeType="clickEffect">
+                                  <p:stCondLst>
+                                    <p:cond delay="0"/>
+                                  </p:stCondLst>
+                                  <p:childTnLst>
+                                    <p:set>
+                                      <p:cBhvr>
+                                        <p:cTn id="6" dur="1" fill="hold">
+                                          <p:stCondLst>
+                                            <p:cond delay="0"/>
+                                          </p:stCondLst>
+                                        </p:cTn>
+                                        <p:tgtEl>
+                                          <p:spTgt spid="5">
+                                            <p:txEl>
+                                              <p:pRg st="0" end="0"/>
+                                            </p:txEl>
+                                          </p:spTgt>
+                                        </p:tgtEl>
+                                        <p:attrNameLst>
+                                          <p:attrName>style.visibility</p:attrName>
+                                        </p:attrNameLst>
+                                      </p:cBhvr>
+                                      <p:to>
+                                        <p:strVal val="visible"/>
+                                      </p:to>
+                                    </p:set>
+                                    <p:animEffect transition="in" filter="wipe(left)">
+                                      <p:cBhvr>
+                                        <p:cTn id="7" dur="500"/>
+                                        <p:tgtEl>
+                                          <p:spTgt spid="5">
+                                            <p:txEl>
+                                              <p:pRg st="0" end="0"/>
+                                            </p:txEl>
+                                          </p:spTgt>
+                                        </p:tgtEl>
+                                      </p:cBhvr>
+                                    </p:animEffect>
+                                  </p:childTnLst>
+                                </p:cTn>
+                              </p:par>
+                            </p:childTnLst>
+                          </p:cTn>
+                        </p:par>
+                      </p:childTnLst>
+                    </p:cTn>
+                  </p:par>
+                  <p:par>
+                    <p:cTn id="8" fill="hold">
+                      <p:stCondLst>
+                        <p:cond delay="indefinite"/>
+                      </p:stCondLst>
+                      <p:childTnLst>
+                        <p:par>
+                          <p:cTn id="9" fill="hold">
+                            <p:stCondLst>
+                              <p:cond delay="0"/>
+                            </p:stCondLst>
+                            <p:childTnLst>
+                              <p:par>
+                                <p:cTn id="10" presetID="22" presetClass="entr" presetSubtype="8" fill="hold" grpId="0" nodeType="clickEffect">
+                                  <p:stCondLst>
+                                    <p:cond delay="0"/>
+                                  </p:stCondLst>
+                                  <p:childTnLst>
+                                    <p:set>
+                                      <p:cBhvr>
+                                        <p:cTn id="11" dur="1" fill="hold">
+                                          <p:stCondLst>
+                                            <p:cond delay="0"/>
+                                          </p:stCondLst>
+                                        </p:cTn>
+                                        <p:tgtEl>
+                                          <p:spTgt spid="5">
+                                            <p:txEl>
+                                              <p:pRg st="1" end="1"/>
+                                            </p:txEl>
+                                          </p:spTgt>
+                                        </p:tgtEl>
+                                        <p:attrNameLst>
+                                          <p:attrName>style.visibility</p:attrName>
+                                        </p:attrNameLst>
+                                      </p:cBhvr>
+                                      <p:to>
+                                        <p:strVal val="visible"/>
+                                      </p:to>
+                                    </p:set>
+                                    <p:animEffect transition="in" filter="wipe(left)">
+                                      <p:cBhvr>
+                                        <p:cTn id="12" dur="500"/>
+                                        <p:tgtEl>
+                                          <p:spTgt spid="5">
+                                            <p:txEl>
+                                              <p:pRg st="1" end="1"/>
+                                            </p:txEl>
+                                          </p:spTgt>
+                                        </p:tgtEl>
+                                      </p:cBhvr>
+                                    </p:animEffect>
+                                  </p:childTnLst>
+                                </p:cTn>
+                              </p:par>
+                            </p:childTnLst>
+                          </p:cTn>
+                        </p:par>
+                      </p:childTnLst>
+                    </p:cTn>
+                  </p:par>
+                  <p:par>
+                    <p:cTn id="13" fill="hold">
+                      <p:stCondLst>
+                        <p:cond delay="indefinite"/>
+                      </p:stCondLst>
+                      <p:childTnLst>
+                        <p:par>
+                          <p:cTn id="14" fill="hold">
+                            <p:stCondLst>
+                              <p:cond delay="0"/>
+                            </p:stCondLst>
+                            <p:childTnLst>
+                              <p:par>
+                                <p:cTn id="15" presetID="22" presetClass="entr" presetSubtype="8" fill="hold" grpId="0" nodeType="clickEffect">
+                                  <p:stCondLst>
+                                    <p:cond delay="0"/>
+                                  </p:stCondLst>
+                                  <p:childTnLst>
+                                    <p:set>
+                                      <p:cBhvr>
+                                        <p:cTn id="16" dur="1" fill="hold">
+                                          <p:stCondLst>
+                                            <p:cond delay="0"/>
+                                          </p:stCondLst>
+                                        </p:cTn>
+                                        <p:tgtEl>
+                                          <p:spTgt spid="5">
+                                            <p:txEl>
+                                              <p:pRg st="2" end="2"/>
+                                            </p:txEl>
+                                          </p:spTgt>
+                                        </p:tgtEl>
+                                        <p:attrNameLst>
+                                          <p:attrName>style.visibility</p:attrName>
+                                        </p:attrNameLst>
+                                      </p:cBhvr>
+                                      <p:to>
+                                        <p:strVal val="visible"/>
+                                      </p:to>
+                                    </p:set>
+                                    <p:animEffect transition="in" filter="wipe(left)">
+                                      <p:cBhvr>
+                                        <p:cTn id="17" dur="500"/>
+                                        <p:tgtEl>
+                                          <p:spTgt spid="5">
+                                            <p:txEl>
+                                              <p:pRg st="2" end="2"/>
+                                            </p:txEl>
+                                          </p:spTgt>
+                                        </p:tgtEl>
+                                      </p:cBhvr>
+                                    </p:animEffect>
+                                  </p:childTnLst>
+                                </p:cTn>
+                              </p:par>
+                            </p:childTnLst>
+                          </p:cTn>
+                        </p:par>
+                      </p:childTnLst>
+                    </p:cTn>
+                  </p:par>
+                  <p:par>
+                    <p:cTn id="18" fill="hold">
+                      <p:stCondLst>
+                        <p:cond delay="indefinite"/>
+                      </p:stCondLst>
+                      <p:childTnLst>
+                        <p:par>
+                          <p:cTn id="19" fill="hold">
+                            <p:stCondLst>
+                              <p:cond delay="0"/>
+                            </p:stCondLst>
+                            <p:childTnLst>
+                              <p:par>
+                                <p:cTn id="20" presetID="22" presetClass="entr" presetSubtype="8" fill="hold" grpId="0" nodeType="clickEffect">
+                                  <p:stCondLst>
+                                    <p:cond delay="0"/>
+                                  </p:stCondLst>
+                                  <p:childTnLst>
+                                    <p:set>
+                                      <p:cBhvr>
+                                        <p:cTn id="21" dur="1" fill="hold">
+                                          <p:stCondLst>
+                                            <p:cond delay="0"/>
+                                          </p:stCondLst>
+                                        </p:cTn>
+                                        <p:tgtEl>
+                                          <p:spTgt spid="5">
+                                            <p:txEl>
+                                              <p:pRg st="3" end="3"/>
+                                            </p:txEl>
+                                          </p:spTgt>
+                                        </p:tgtEl>
+                                        <p:attrNameLst>
+                                          <p:attrName>style.visibility</p:attrName>
+                                        </p:attrNameLst>
+                                      </p:cBhvr>
+                                      <p:to>
+                                        <p:strVal val="visible"/>
+                                      </p:to>
+                                    </p:set>
+                                    <p:animEffect transition="in" filter="wipe(left)">
+                                      <p:cBhvr>
+                                        <p:cTn id="22" dur="500"/>
+                                        <p:tgtEl>
+                                          <p:spTgt spid="5">
+                                            <p:txEl>
+                                              <p:pRg st="3" end="3"/>
+                                            </p:txEl>
+                                          </p:spTgt>
+                                        </p:tgtEl>
+                                      </p:cBhvr>
+                                    </p:animEffect>
+                                  </p:childTnLst>
+                                </p:cTn>
+                              </p:par>
+                            </p:childTnLst>
+                          </p:cTn>
+                        </p:par>
+                      </p:childTnLst>
+                    </p:cTn>
+                  </p:par>
+                  <p:par>
+                    <p:cTn id="23" fill="hold">
+                      <p:stCondLst>
+                        <p:cond delay="indefinite"/>
+                      </p:stCondLst>
+                      <p:childTnLst>
+                        <p:par>
+                          <p:cTn id="24" fill="hold">
+                            <p:stCondLst>
+                              <p:cond delay="0"/>
+                            </p:stCondLst>
+                            <p:childTnLst>
+                              <p:par>
+                                <p:cTn id="25" presetID="22" presetClass="entr" presetSubtype="8" fill="hold" grpId="0" nodeType="clickEffect">
+                                  <p:stCondLst>
+                                    <p:cond delay="0"/>
+                                  </p:stCondLst>
+                                  <p:childTnLst>
+                                    <p:set>
+                                      <p:cBhvr>
+                                        <p:cTn id="26" dur="1" fill="hold">
+                                          <p:stCondLst>
+                                            <p:cond delay="0"/>
+                                          </p:stCondLst>
+                                        </p:cTn>
+                                        <p:tgtEl>
+                                          <p:spTgt spid="5">
+                                            <p:txEl>
+                                              <p:pRg st="4" end="4"/>
+                                            </p:txEl>
+                                          </p:spTgt>
+                                        </p:tgtEl>
+                                        <p:attrNameLst>
+                                          <p:attrName>style.visibility</p:attrName>
+                                        </p:attrNameLst>
+                                      </p:cBhvr>
+                                      <p:to>
+                                        <p:strVal val="visible"/>
+                                      </p:to>
+                                    </p:set>
+                                    <p:animEffect transition="in" filter="wipe(left)">
+                                      <p:cBhvr>
+                                        <p:cTn id="27" dur="500"/>
+                                        <p:tgtEl>
+                                          <p:spTgt spid="5">
+                                            <p:txEl>
+                                              <p:pRg st="4" end="4"/>
+                                            </p:txEl>
+                                          </p:spTgt>
+                                        </p:tgtEl>
+                                      </p:cBhvr>
+                                    </p:animEffect>
+                                  </p:childTnLst>
+                                </p:cTn>
+                              </p:par>
+                            </p:childTnLst>
+                          </p:cTn>
+                        </p:par>
+                      </p:childTnLst>
+                    </p:cTn>
+                  </p:par>
+                </p:childTnLst>
+              </p:cTn>
+              <p:prevCondLst>
+                <p:cond evt="onPrev" delay="0">
+                  <p:tgtEl>
+                    <p:sldTgt/>
+                  </p:tgtEl>
+                </p:cond>
+              </p:prevCondLst>
+              <p:nextCondLst>
+                <p:cond evt="onNext" delay="0">
+                  <p:tgtEl>
+                    <p:sldTgt/>
+                  </p:tgtEl>
+                </p:cond>
+              </p:nextCondLst>
+            </p:seq>
+          </p:childTnLst>
+        </p:cTn>
+      </p:par>
+    </p:tnLst>
+    <p:bldLst>
+      <p:bldP spid="5" grpId="0" uiExpand="1" build="p"/>
+    </p:bldLst>
+  </p:timing>
+</p:sld>
+</file>
+
+<file path=ppt/slides/slide13.xml><?xml version="1.0" encoding="utf-8"?>
+<p:sld xmlns:a="http://schemas.openxmlformats.org/drawingml/2006/main" xmlns:r="http://schemas.openxmlformats.org/officeDocument/2006/relationships" xmlns:p="http://schemas.openxmlformats.org/presentationml/2006/main">
+  <p:cSld>
+    <p:spTree>
+      <p:nvGrpSpPr>
+        <p:cNvPr id="1" name=""/>
+        <p:cNvGrpSpPr/>
+        <p:nvPr/>
+      </p:nvGrpSpPr>
+      <p:grpSpPr>
+        <a:xfrm>
+          <a:off x="0" y="0"/>
+          <a:ext cx="0" cy="0"/>
+          <a:chOff x="0" y="0"/>
+          <a:chExt cx="0" cy="0"/>
+        </a:xfrm>
+      </p:grpSpPr>
+      <p:sp>
+        <p:nvSpPr>
+          <p:cNvPr id="2" name="Title 1"/>
+          <p:cNvSpPr>
+            <a:spLocks noGrp="1"/>
+          </p:cNvSpPr>
+          <p:nvPr>
+            <p:ph type="title"/>
+          </p:nvPr>
+        </p:nvSpPr>
+        <p:spPr/>
+        <p:txBody>
+          <a:bodyPr/>
+          <a:lstStyle/>
+          <a:p>
+            <a:r>
+              <a:rPr lang="en-US" smtClean="0"/>
               <a:t>Bài toán Producer &amp; Consumer</a:t>
             </a:r>
             <a:endParaRPr lang="en-US"/>
@@ -6103,15 +9304,7 @@
                   <a:schemeClr val="tx1"/>
                 </a:solidFill>
               </a:rPr>
-              <a:t>Công việc của Producer phải đồng bộ với Consumer: Không được đưa sản phẩm vào khi Buffer đầy</a:t>
-            </a:r>
-            <a:r>
-              <a:rPr lang="vi-VN" sz="2400">
-                <a:solidFill>
-                  <a:schemeClr val="tx1"/>
-                </a:solidFill>
-              </a:rPr>
-              <a:t>, </a:t>
+              <a:t>Công việc của Producer phải đồng bộ với Consumer: Không được đưa sản phẩm vào khi Buffer đầy, </a:t>
             </a:r>
             <a:r>
               <a:rPr lang="en-US" sz="2400">
@@ -6149,6 +9342,502 @@
     <p:extLst>
       <p:ext uri="{BB962C8B-B14F-4D97-AF65-F5344CB8AC3E}">
         <p14:creationId xmlns:p14="http://schemas.microsoft.com/office/powerpoint/2010/main" val="4263663105"/>
+      </p:ext>
+    </p:extLst>
+  </p:cSld>
+  <p:clrMapOvr>
+    <a:masterClrMapping/>
+  </p:clrMapOvr>
+  <p:timing>
+    <p:tnLst>
+      <p:par>
+        <p:cTn id="1" dur="indefinite" restart="never" nodeType="tmRoot"/>
+      </p:par>
+    </p:tnLst>
+  </p:timing>
+</p:sld>
+</file>
+
+<file path=ppt/slides/slide14.xml><?xml version="1.0" encoding="utf-8"?>
+<p:sld xmlns:a="http://schemas.openxmlformats.org/drawingml/2006/main" xmlns:r="http://schemas.openxmlformats.org/officeDocument/2006/relationships" xmlns:p="http://schemas.openxmlformats.org/presentationml/2006/main">
+  <p:cSld>
+    <p:spTree>
+      <p:nvGrpSpPr>
+        <p:cNvPr id="1" name=""/>
+        <p:cNvGrpSpPr/>
+        <p:nvPr/>
+      </p:nvGrpSpPr>
+      <p:grpSpPr>
+        <a:xfrm>
+          <a:off x="0" y="0"/>
+          <a:ext cx="0" cy="0"/>
+          <a:chOff x="0" y="0"/>
+          <a:chExt cx="0" cy="0"/>
+        </a:xfrm>
+      </p:grpSpPr>
+      <p:sp>
+        <p:nvSpPr>
+          <p:cNvPr id="2" name="Title 1"/>
+          <p:cNvSpPr>
+            <a:spLocks noGrp="1"/>
+          </p:cNvSpPr>
+          <p:nvPr>
+            <p:ph type="title"/>
+          </p:nvPr>
+        </p:nvSpPr>
+        <p:spPr/>
+        <p:txBody>
+          <a:bodyPr/>
+          <a:lstStyle/>
+          <a:p>
+            <a:r>
+              <a:rPr lang="en-US" smtClean="0"/>
+              <a:t>Bài toán Producer &amp; Consumer</a:t>
+            </a:r>
+            <a:endParaRPr lang="en-US"/>
+          </a:p>
+        </p:txBody>
+      </p:sp>
+      <p:sp>
+        <p:nvSpPr>
+          <p:cNvPr id="3" name="Content Placeholder 2"/>
+          <p:cNvSpPr>
+            <a:spLocks noGrp="1"/>
+          </p:cNvSpPr>
+          <p:nvPr>
+            <p:ph idx="1"/>
+          </p:nvPr>
+        </p:nvSpPr>
+        <p:spPr/>
+        <p:txBody>
+          <a:bodyPr>
+            <a:normAutofit/>
+          </a:bodyPr>
+          <a:lstStyle/>
+          <a:p>
+            <a:pPr marL="236538" indent="-236538" algn="just">
+              <a:lnSpc>
+                <a:spcPct val="150000"/>
+              </a:lnSpc>
+              <a:spcAft>
+                <a:spcPts val="600"/>
+              </a:spcAft>
+              <a:buFont typeface="Arial" panose="020B0604020202020204" pitchFamily="34" charset="0"/>
+              <a:buChar char="•"/>
+            </a:pPr>
+            <a:endParaRPr lang="en-US" sz="2400">
+              <a:solidFill>
+                <a:schemeClr val="tx1"/>
+              </a:solidFill>
+            </a:endParaRPr>
+          </a:p>
+        </p:txBody>
+      </p:sp>
+      <p:pic>
+        <p:nvPicPr>
+          <p:cNvPr id="4" name="Picture 3" descr="C:\Users\ad\Downloads\pro.drawio (3).png"/>
+          <p:cNvPicPr/>
+          <p:nvPr/>
+        </p:nvPicPr>
+        <p:blipFill>
+          <a:blip r:embed="rId3">
+            <a:extLst>
+              <a:ext uri="{28A0092B-C50C-407E-A947-70E740481C1C}">
+                <a14:useLocalDpi xmlns:a14="http://schemas.microsoft.com/office/drawing/2010/main" val="0"/>
+              </a:ext>
+            </a:extLst>
+          </a:blip>
+          <a:srcRect/>
+          <a:stretch>
+            <a:fillRect/>
+          </a:stretch>
+        </p:blipFill>
+        <p:spPr bwMode="auto">
+          <a:xfrm>
+            <a:off x="1097280" y="1850814"/>
+            <a:ext cx="10058400" cy="4018280"/>
+          </a:xfrm>
+          <a:prstGeom prst="rect">
+            <a:avLst/>
+          </a:prstGeom>
+          <a:noFill/>
+          <a:ln>
+            <a:noFill/>
+          </a:ln>
+        </p:spPr>
+      </p:pic>
+    </p:spTree>
+    <p:extLst>
+      <p:ext uri="{BB962C8B-B14F-4D97-AF65-F5344CB8AC3E}">
+        <p14:creationId xmlns:p14="http://schemas.microsoft.com/office/powerpoint/2010/main" val="1751684276"/>
+      </p:ext>
+    </p:extLst>
+  </p:cSld>
+  <p:clrMapOvr>
+    <a:masterClrMapping/>
+  </p:clrMapOvr>
+  <p:timing>
+    <p:tnLst>
+      <p:par>
+        <p:cTn id="1" dur="indefinite" restart="never" nodeType="tmRoot"/>
+      </p:par>
+    </p:tnLst>
+  </p:timing>
+</p:sld>
+</file>
+
+<file path=ppt/slides/slide15.xml><?xml version="1.0" encoding="utf-8"?>
+<p:sld xmlns:a="http://schemas.openxmlformats.org/drawingml/2006/main" xmlns:r="http://schemas.openxmlformats.org/officeDocument/2006/relationships" xmlns:p="http://schemas.openxmlformats.org/presentationml/2006/main">
+  <p:cSld>
+    <p:spTree>
+      <p:nvGrpSpPr>
+        <p:cNvPr id="1" name=""/>
+        <p:cNvGrpSpPr/>
+        <p:nvPr/>
+      </p:nvGrpSpPr>
+      <p:grpSpPr>
+        <a:xfrm>
+          <a:off x="0" y="0"/>
+          <a:ext cx="0" cy="0"/>
+          <a:chOff x="0" y="0"/>
+          <a:chExt cx="0" cy="0"/>
+        </a:xfrm>
+      </p:grpSpPr>
+      <p:pic>
+        <p:nvPicPr>
+          <p:cNvPr id="5" name="Picture 4" descr="C:\Users\ad\Downloads\counter.drawio (1).png"/>
+          <p:cNvPicPr/>
+          <p:nvPr/>
+        </p:nvPicPr>
+        <p:blipFill>
+          <a:blip r:embed="rId3">
+            <a:extLst>
+              <a:ext uri="{28A0092B-C50C-407E-A947-70E740481C1C}">
+                <a14:useLocalDpi xmlns:a14="http://schemas.microsoft.com/office/drawing/2010/main" val="0"/>
+              </a:ext>
+            </a:extLst>
+          </a:blip>
+          <a:srcRect/>
+          <a:stretch>
+            <a:fillRect/>
+          </a:stretch>
+        </p:blipFill>
+        <p:spPr bwMode="auto">
+          <a:xfrm>
+            <a:off x="1901048" y="150126"/>
+            <a:ext cx="8389904" cy="6168787"/>
+          </a:xfrm>
+          <a:prstGeom prst="rect">
+            <a:avLst/>
+          </a:prstGeom>
+          <a:noFill/>
+          <a:ln>
+            <a:noFill/>
+          </a:ln>
+        </p:spPr>
+      </p:pic>
+    </p:spTree>
+    <p:extLst>
+      <p:ext uri="{BB962C8B-B14F-4D97-AF65-F5344CB8AC3E}">
+        <p14:creationId xmlns:p14="http://schemas.microsoft.com/office/powerpoint/2010/main" val="616971698"/>
+      </p:ext>
+    </p:extLst>
+  </p:cSld>
+  <p:clrMapOvr>
+    <a:masterClrMapping/>
+  </p:clrMapOvr>
+  <p:timing>
+    <p:tnLst>
+      <p:par>
+        <p:cTn id="1" dur="indefinite" restart="never" nodeType="tmRoot"/>
+      </p:par>
+    </p:tnLst>
+  </p:timing>
+</p:sld>
+</file>
+
+<file path=ppt/slides/slide16.xml><?xml version="1.0" encoding="utf-8"?>
+<p:sld xmlns:a="http://schemas.openxmlformats.org/drawingml/2006/main" xmlns:r="http://schemas.openxmlformats.org/officeDocument/2006/relationships" xmlns:p="http://schemas.openxmlformats.org/presentationml/2006/main">
+  <p:cSld>
+    <p:spTree>
+      <p:nvGrpSpPr>
+        <p:cNvPr id="1" name=""/>
+        <p:cNvGrpSpPr/>
+        <p:nvPr/>
+      </p:nvGrpSpPr>
+      <p:grpSpPr>
+        <a:xfrm>
+          <a:off x="0" y="0"/>
+          <a:ext cx="0" cy="0"/>
+          <a:chOff x="0" y="0"/>
+          <a:chExt cx="0" cy="0"/>
+        </a:xfrm>
+      </p:grpSpPr>
+      <p:pic>
+        <p:nvPicPr>
+          <p:cNvPr id="3" name="Picture 2" descr="C:\Users\ad\Downloads\counter.drawio (2).png"/>
+          <p:cNvPicPr/>
+          <p:nvPr/>
+        </p:nvPicPr>
+        <p:blipFill>
+          <a:blip r:embed="rId3">
+            <a:extLst>
+              <a:ext uri="{28A0092B-C50C-407E-A947-70E740481C1C}">
+                <a14:useLocalDpi xmlns:a14="http://schemas.microsoft.com/office/drawing/2010/main" val="0"/>
+              </a:ext>
+            </a:extLst>
+          </a:blip>
+          <a:srcRect/>
+          <a:stretch>
+            <a:fillRect/>
+          </a:stretch>
+        </p:blipFill>
+        <p:spPr bwMode="auto">
+          <a:xfrm>
+            <a:off x="1898904" y="150126"/>
+            <a:ext cx="8394192" cy="6172200"/>
+          </a:xfrm>
+          <a:prstGeom prst="rect">
+            <a:avLst/>
+          </a:prstGeom>
+          <a:noFill/>
+          <a:ln>
+            <a:noFill/>
+          </a:ln>
+        </p:spPr>
+      </p:pic>
+    </p:spTree>
+    <p:extLst>
+      <p:ext uri="{BB962C8B-B14F-4D97-AF65-F5344CB8AC3E}">
+        <p14:creationId xmlns:p14="http://schemas.microsoft.com/office/powerpoint/2010/main" val="53427584"/>
+      </p:ext>
+    </p:extLst>
+  </p:cSld>
+  <p:clrMapOvr>
+    <a:masterClrMapping/>
+  </p:clrMapOvr>
+  <mc:AlternateContent xmlns:mc="http://schemas.openxmlformats.org/markup-compatibility/2006">
+    <mc:Choice xmlns:p14="http://schemas.microsoft.com/office/powerpoint/2010/main" Requires="p14">
+      <p:transition spd="med" p14:dur="700">
+        <p:fade/>
+      </p:transition>
+    </mc:Choice>
+    <mc:Fallback>
+      <p:transition spd="med">
+        <p:fade/>
+      </p:transition>
+    </mc:Fallback>
+  </mc:AlternateContent>
+  <p:timing>
+    <p:tnLst>
+      <p:par>
+        <p:cTn id="1" dur="indefinite" restart="never" nodeType="tmRoot"/>
+      </p:par>
+    </p:tnLst>
+  </p:timing>
+</p:sld>
+</file>
+
+<file path=ppt/slides/slide17.xml><?xml version="1.0" encoding="utf-8"?>
+<p:sld xmlns:a="http://schemas.openxmlformats.org/drawingml/2006/main" xmlns:r="http://schemas.openxmlformats.org/officeDocument/2006/relationships" xmlns:p="http://schemas.openxmlformats.org/presentationml/2006/main">
+  <p:cSld>
+    <p:spTree>
+      <p:nvGrpSpPr>
+        <p:cNvPr id="1" name=""/>
+        <p:cNvGrpSpPr/>
+        <p:nvPr/>
+      </p:nvGrpSpPr>
+      <p:grpSpPr>
+        <a:xfrm>
+          <a:off x="0" y="0"/>
+          <a:ext cx="0" cy="0"/>
+          <a:chOff x="0" y="0"/>
+          <a:chExt cx="0" cy="0"/>
+        </a:xfrm>
+      </p:grpSpPr>
+      <p:sp>
+        <p:nvSpPr>
+          <p:cNvPr id="2" name="Title 1"/>
+          <p:cNvSpPr>
+            <a:spLocks noGrp="1"/>
+          </p:cNvSpPr>
+          <p:nvPr>
+            <p:ph type="title"/>
+          </p:nvPr>
+        </p:nvSpPr>
+        <p:spPr/>
+        <p:txBody>
+          <a:bodyPr/>
+          <a:lstStyle/>
+          <a:p>
+            <a:r>
+              <a:rPr lang="en-US" smtClean="0"/>
+              <a:t>Bài toán Producer &amp; Consumer</a:t>
+            </a:r>
+            <a:endParaRPr lang="en-US"/>
+          </a:p>
+        </p:txBody>
+      </p:sp>
+      <p:sp>
+        <p:nvSpPr>
+          <p:cNvPr id="3" name="Content Placeholder 2"/>
+          <p:cNvSpPr>
+            <a:spLocks noGrp="1"/>
+          </p:cNvSpPr>
+          <p:nvPr>
+            <p:ph idx="1"/>
+          </p:nvPr>
+        </p:nvSpPr>
+        <p:spPr/>
+        <p:txBody>
+          <a:bodyPr>
+            <a:normAutofit/>
+          </a:bodyPr>
+          <a:lstStyle/>
+          <a:p>
+            <a:pPr marL="231775" lvl="0" indent="-231775">
+              <a:buFont typeface="Arial" panose="020B0604020202020204" pitchFamily="34" charset="0"/>
+              <a:buChar char="•"/>
+            </a:pPr>
+            <a:r>
+              <a:rPr lang="en-US" sz="2400">
+                <a:solidFill>
+                  <a:schemeClr val="tx1"/>
+                </a:solidFill>
+                <a:latin typeface="Times New Roman" panose="02020603050405020304" pitchFamily="18" charset="0"/>
+                <a:cs typeface="Times New Roman" panose="02020603050405020304" pitchFamily="18" charset="0"/>
+              </a:rPr>
+              <a:t>Các tiến trình sẽ chia sẻ một biến chung đóng vai trò là cờ hiệu hay là một cái khóa (lock). Ban đầu biến này được khởi động là 0.</a:t>
+            </a:r>
+          </a:p>
+          <a:p>
+            <a:pPr marL="231775" lvl="0" indent="-231775">
+              <a:buFont typeface="Arial" panose="020B0604020202020204" pitchFamily="34" charset="0"/>
+              <a:buChar char="•"/>
+            </a:pPr>
+            <a:r>
+              <a:rPr lang="en-US" sz="2400">
+                <a:solidFill>
+                  <a:schemeClr val="tx1"/>
+                </a:solidFill>
+                <a:latin typeface="Times New Roman" panose="02020603050405020304" pitchFamily="18" charset="0"/>
+                <a:cs typeface="Times New Roman" panose="02020603050405020304" pitchFamily="18" charset="0"/>
+              </a:rPr>
+              <a:t>Một tiến trình muốn vào đoạn găng, trước tiên giá trị của biến lock. Nếu lock = 0, tiến trình đặt lại giá trị cho lock = 1 và đi vào đoạn găng. Nếu lock đang nhận giá trị 1, tiến trình phải chờ khi có lock có giá trị là 0</a:t>
+            </a:r>
+          </a:p>
+        </p:txBody>
+      </p:sp>
+      <p:pic>
+        <p:nvPicPr>
+          <p:cNvPr id="5" name="Picture 4"/>
+          <p:cNvPicPr/>
+          <p:nvPr/>
+        </p:nvPicPr>
+        <p:blipFill>
+          <a:blip r:embed="rId3"/>
+          <a:stretch>
+            <a:fillRect/>
+          </a:stretch>
+        </p:blipFill>
+        <p:spPr>
+          <a:xfrm>
+            <a:off x="1097280" y="3993890"/>
+            <a:ext cx="10058400" cy="1983578"/>
+          </a:xfrm>
+          <a:prstGeom prst="rect">
+            <a:avLst/>
+          </a:prstGeom>
+        </p:spPr>
+      </p:pic>
+    </p:spTree>
+    <p:extLst>
+      <p:ext uri="{BB962C8B-B14F-4D97-AF65-F5344CB8AC3E}">
+        <p14:creationId xmlns:p14="http://schemas.microsoft.com/office/powerpoint/2010/main" val="1004637917"/>
+      </p:ext>
+    </p:extLst>
+  </p:cSld>
+  <p:clrMapOvr>
+    <a:masterClrMapping/>
+  </p:clrMapOvr>
+  <p:timing>
+    <p:tnLst>
+      <p:par>
+        <p:cTn id="1" dur="indefinite" restart="never" nodeType="tmRoot"/>
+      </p:par>
+    </p:tnLst>
+  </p:timing>
+</p:sld>
+</file>
+
+<file path=ppt/slides/slide18.xml><?xml version="1.0" encoding="utf-8"?>
+<p:sld xmlns:a="http://schemas.openxmlformats.org/drawingml/2006/main" xmlns:r="http://schemas.openxmlformats.org/officeDocument/2006/relationships" xmlns:p="http://schemas.openxmlformats.org/presentationml/2006/main">
+  <p:cSld>
+    <p:spTree>
+      <p:nvGrpSpPr>
+        <p:cNvPr id="1" name=""/>
+        <p:cNvGrpSpPr/>
+        <p:nvPr/>
+      </p:nvGrpSpPr>
+      <p:grpSpPr>
+        <a:xfrm>
+          <a:off x="0" y="0"/>
+          <a:ext cx="0" cy="0"/>
+          <a:chOff x="0" y="0"/>
+          <a:chExt cx="0" cy="0"/>
+        </a:xfrm>
+      </p:grpSpPr>
+      <p:sp>
+        <p:nvSpPr>
+          <p:cNvPr id="2" name="Title 1"/>
+          <p:cNvSpPr>
+            <a:spLocks noGrp="1"/>
+          </p:cNvSpPr>
+          <p:nvPr>
+            <p:ph type="title"/>
+          </p:nvPr>
+        </p:nvSpPr>
+        <p:spPr/>
+        <p:txBody>
+          <a:bodyPr/>
+          <a:lstStyle/>
+          <a:p>
+            <a:r>
+              <a:rPr lang="en-US" smtClean="0"/>
+              <a:t>DEMO</a:t>
+            </a:r>
+            <a:endParaRPr lang="en-US"/>
+          </a:p>
+        </p:txBody>
+      </p:sp>
+      <p:sp>
+        <p:nvSpPr>
+          <p:cNvPr id="3" name="Content Placeholder 2"/>
+          <p:cNvSpPr>
+            <a:spLocks noGrp="1"/>
+          </p:cNvSpPr>
+          <p:nvPr>
+            <p:ph idx="1"/>
+          </p:nvPr>
+        </p:nvSpPr>
+        <p:spPr>
+          <a:xfrm>
+            <a:off x="1097280" y="1878985"/>
+            <a:ext cx="10058400" cy="4023360"/>
+          </a:xfrm>
+        </p:spPr>
+        <p:txBody>
+          <a:bodyPr/>
+          <a:lstStyle/>
+          <a:p>
+            <a:endParaRPr lang="en-US"/>
+          </a:p>
+        </p:txBody>
+      </p:sp>
+    </p:spTree>
+    <p:extLst>
+      <p:ext uri="{BB962C8B-B14F-4D97-AF65-F5344CB8AC3E}">
+        <p14:creationId xmlns:p14="http://schemas.microsoft.com/office/powerpoint/2010/main" val="660310356"/>
       </p:ext>
     </p:extLst>
   </p:cSld>
@@ -9130,18 +12819,9 @@
   <p:clrMapOvr>
     <a:masterClrMapping/>
   </p:clrMapOvr>
-  <mc:AlternateContent xmlns:mc="http://schemas.openxmlformats.org/markup-compatibility/2006" xmlns:p15="http://schemas.microsoft.com/office/powerpoint/2012/main">
-    <mc:Choice Requires="p15">
-      <p:transition xmlns:p14="http://schemas.microsoft.com/office/powerpoint/2010/main" spd="slow" p14:dur="1250">
-        <p15:prstTrans prst="peelOff"/>
-      </p:transition>
-    </mc:Choice>
-    <mc:Fallback xmlns="">
-      <p:transition spd="slow">
-        <p:fade/>
-      </p:transition>
-    </mc:Fallback>
-  </mc:AlternateContent>
+  <p:transition spd="slow">
+    <p:wipe/>
+  </p:transition>
   <p:timing>
     <p:tnLst>
       <p:par>
